--- a/파워포인트-원본파일-다운-free-powerpoint-ppt-template-1344.pptx
+++ b/파워포인트-원본파일-다운-free-powerpoint-ppt-template-1344.pptx
@@ -7,9 +7,6 @@
   <p:sldIdLst>
     <p:sldId id="257" r:id="rId2"/>
     <p:sldId id="258" r:id="rId3"/>
-    <p:sldId id="259" r:id="rId4"/>
-    <p:sldId id="260" r:id="rId5"/>
-    <p:sldId id="261" r:id="rId6"/>
   </p:sldIdLst>
   <p:sldSz cx="12192000" cy="6858000"/>
   <p:notesSz cx="6858000" cy="9144000"/>
@@ -3722,19 +3719,90 @@
           <a:chExt cx="0" cy="0"/>
         </a:xfrm>
       </p:grpSpPr>
+      <p:sp>
+        <p:nvSpPr>
+          <p:cNvPr id="11" name="직사각형 10">
+            <a:extLst>
+              <a:ext uri="{FF2B5EF4-FFF2-40B4-BE49-F238E27FC236}">
+                <a16:creationId xmlns:a16="http://schemas.microsoft.com/office/drawing/2014/main" id="{1B81E6BC-8F14-E08F-7A2B-6A630F9A11E8}"/>
+              </a:ext>
+            </a:extLst>
+          </p:cNvPr>
+          <p:cNvSpPr/>
+          <p:nvPr/>
+        </p:nvSpPr>
+        <p:spPr>
+          <a:xfrm>
+            <a:off x="770575" y="762518"/>
+            <a:ext cx="9137118" cy="5548696"/>
+          </a:xfrm>
+          <a:prstGeom prst="rect">
+            <a:avLst/>
+          </a:prstGeom>
+          <a:noFill/>
+          <a:ln>
+            <a:noFill/>
+          </a:ln>
+          <a:effectLst>
+            <a:outerShdw blurRad="50800" dist="38100" dir="2700000" algn="tl" rotWithShape="0">
+              <a:schemeClr val="bg1">
+                <a:alpha val="40000"/>
+              </a:schemeClr>
+            </a:outerShdw>
+          </a:effectLst>
+        </p:spPr>
+        <p:style>
+          <a:lnRef idx="2">
+            <a:schemeClr val="accent1">
+              <a:shade val="50000"/>
+            </a:schemeClr>
+          </a:lnRef>
+          <a:fillRef idx="1">
+            <a:schemeClr val="accent1"/>
+          </a:fillRef>
+          <a:effectRef idx="0">
+            <a:schemeClr val="accent1"/>
+          </a:effectRef>
+          <a:fontRef idx="minor">
+            <a:schemeClr val="lt1"/>
+          </a:fontRef>
+        </p:style>
+        <p:txBody>
+          <a:bodyPr rtlCol="0" anchor="ctr"/>
+          <a:lstStyle/>
+          <a:p>
+            <a:pPr algn="ctr"/>
+            <a:endParaRPr lang="ko-KR" altLang="en-US"/>
+          </a:p>
+        </p:txBody>
+      </p:sp>
       <p:grpSp>
         <p:nvGrpSpPr>
-          <p:cNvPr id="3" name="그룹 2"/>
+          <p:cNvPr id="15" name="그룹 14">
+            <a:extLst>
+              <a:ext uri="{FF2B5EF4-FFF2-40B4-BE49-F238E27FC236}">
+                <a16:creationId xmlns:a16="http://schemas.microsoft.com/office/drawing/2014/main" id="{95C5D9BF-1A29-49F3-7A63-4FDB54BF76AD}"/>
+              </a:ext>
+            </a:extLst>
+          </p:cNvPr>
           <p:cNvGrpSpPr/>
           <p:nvPr/>
         </p:nvGrpSpPr>
         <p:grpSpPr>
           <a:xfrm>
-            <a:off x="2830962" y="1440593"/>
-            <a:ext cx="6530076" cy="4045407"/>
-            <a:chOff x="192000" y="161036"/>
-            <a:chExt cx="11808000" cy="6535928"/>
+            <a:off x="1093375" y="329855"/>
+            <a:ext cx="10005250" cy="6198290"/>
+            <a:chOff x="2830962" y="1440593"/>
+            <a:chExt cx="6530076" cy="4045407"/>
           </a:xfrm>
+          <a:effectLst>
+            <a:outerShdw blurRad="50800" dist="317500" dir="2700000" algn="tl" rotWithShape="0">
+              <a:schemeClr val="bg1">
+                <a:lumMod val="65000"/>
+                <a:alpha val="47000"/>
+              </a:schemeClr>
+            </a:outerShdw>
+          </a:effectLst>
         </p:grpSpPr>
         <p:sp>
           <p:nvSpPr>
@@ -3750,8 +3818,8 @@
           </p:nvSpPr>
           <p:spPr>
             <a:xfrm>
-              <a:off x="192000" y="161036"/>
-              <a:ext cx="11808000" cy="806881"/>
+              <a:off x="2830962" y="1440593"/>
+              <a:ext cx="6530076" cy="499418"/>
             </a:xfrm>
             <a:prstGeom prst="round2SameRect">
               <a:avLst/>
@@ -3784,7 +3852,7 @@
             <a:lstStyle/>
             <a:p>
               <a:pPr algn="ctr"/>
-              <a:endParaRPr lang="ko-KR" altLang="en-US">
+              <a:endParaRPr lang="ko-KR" altLang="en-US" dirty="0">
                 <a:solidFill>
                   <a:prstClr val="white"/>
                 </a:solidFill>
@@ -3806,8 +3874,8 @@
           </p:nvSpPr>
           <p:spPr>
             <a:xfrm>
-              <a:off x="192000" y="967917"/>
-              <a:ext cx="11808000" cy="5729047"/>
+              <a:off x="2830962" y="1940011"/>
+              <a:ext cx="6530076" cy="3545989"/>
             </a:xfrm>
             <a:prstGeom prst="round2SameRect">
               <a:avLst>
@@ -3853,7 +3921,7 @@
                 <a:defRPr/>
               </a:pPr>
               <a:r>
-                <a:rPr lang="en-US" altLang="ko-KR" sz="3200" i="1" kern="0" dirty="0">
+                <a:rPr lang="en-US" altLang="ko-KR" sz="4800" i="1" kern="0" dirty="0">
                   <a:ln w="12700">
                     <a:noFill/>
                   </a:ln>
@@ -3866,7 +3934,7 @@
                   <a:latin typeface="Tmon몬소리 Black" panose="02000A03000000000000" pitchFamily="2" charset="-127"/>
                   <a:ea typeface="Tmon몬소리 Black" panose="02000A03000000000000" pitchFamily="2" charset="-127"/>
                 </a:rPr>
-                <a:t>PPT PRESENTATION</a:t>
+                <a:t>OSS-ACKANG</a:t>
               </a:r>
             </a:p>
             <a:p>
@@ -3877,16 +3945,96 @@
                 <a:defRPr/>
               </a:pPr>
               <a:r>
-                <a:rPr lang="en-US" altLang="ko-KR" sz="900" kern="0" dirty="0">
+                <a:rPr lang="ko-KR" altLang="en-US" sz="1100" kern="0" dirty="0" err="1">
                   <a:solidFill>
                     <a:prstClr val="white">
                       <a:lumMod val="75000"/>
                     </a:prstClr>
                   </a:solidFill>
                 </a:rPr>
-                <a:t>Enjoy your stylish business and campus life with BIZCAM</a:t>
+                <a:t>곽민우</a:t>
               </a:r>
-              <a:endParaRPr lang="ko-KR" altLang="en-US" sz="2000" dirty="0">
+              <a:r>
+                <a:rPr lang="en-US" altLang="ko-KR" sz="1100" kern="0" dirty="0">
+                  <a:solidFill>
+                    <a:prstClr val="white">
+                      <a:lumMod val="75000"/>
+                    </a:prstClr>
+                  </a:solidFill>
+                </a:rPr>
+                <a:t>, </a:t>
+              </a:r>
+              <a:r>
+                <a:rPr lang="ko-KR" altLang="en-US" sz="1100" kern="0" dirty="0">
+                  <a:solidFill>
+                    <a:prstClr val="white">
+                      <a:lumMod val="75000"/>
+                    </a:prstClr>
+                  </a:solidFill>
+                </a:rPr>
+                <a:t>구태우</a:t>
+              </a:r>
+              <a:r>
+                <a:rPr lang="en-US" altLang="ko-KR" sz="1100" kern="0" dirty="0">
+                  <a:solidFill>
+                    <a:prstClr val="white">
+                      <a:lumMod val="75000"/>
+                    </a:prstClr>
+                  </a:solidFill>
+                </a:rPr>
+                <a:t>, </a:t>
+              </a:r>
+              <a:r>
+                <a:rPr lang="ko-KR" altLang="en-US" sz="1100" kern="0" dirty="0">
+                  <a:solidFill>
+                    <a:prstClr val="white">
+                      <a:lumMod val="75000"/>
+                    </a:prstClr>
+                  </a:solidFill>
+                </a:rPr>
+                <a:t>염진섭</a:t>
+              </a:r>
+              <a:r>
+                <a:rPr lang="en-US" altLang="ko-KR" sz="1100" kern="0" dirty="0">
+                  <a:solidFill>
+                    <a:prstClr val="white">
+                      <a:lumMod val="75000"/>
+                    </a:prstClr>
+                  </a:solidFill>
+                </a:rPr>
+                <a:t>, </a:t>
+              </a:r>
+              <a:r>
+                <a:rPr lang="ko-KR" altLang="en-US" sz="1100" kern="0" dirty="0">
+                  <a:solidFill>
+                    <a:prstClr val="white">
+                      <a:lumMod val="75000"/>
+                    </a:prstClr>
+                  </a:solidFill>
+                </a:rPr>
+                <a:t>박상혁</a:t>
+              </a:r>
+              <a:r>
+                <a:rPr lang="en-US" altLang="ko-KR" sz="1100" kern="0" dirty="0">
+                  <a:solidFill>
+                    <a:prstClr val="white">
+                      <a:lumMod val="75000"/>
+                    </a:prstClr>
+                  </a:solidFill>
+                </a:rPr>
+                <a:t>, </a:t>
+              </a:r>
+              <a:r>
+                <a:rPr lang="ko-KR" altLang="en-US" sz="1100" kern="0" dirty="0">
+                  <a:solidFill>
+                    <a:prstClr val="white">
+                      <a:lumMod val="75000"/>
+                    </a:prstClr>
+                  </a:solidFill>
+                </a:rPr>
+                <a:t>우승원</a:t>
+              </a:r>
+              <a:endParaRPr lang="ko-KR" altLang="en-US" sz="1100" dirty="0">
                 <a:solidFill>
                   <a:prstClr val="white">
                     <a:lumMod val="75000"/>
@@ -4416,8 +4564,8 @@
         </p:nvGrpSpPr>
         <p:grpSpPr>
           <a:xfrm>
-            <a:off x="3005396" y="1573304"/>
-            <a:ext cx="3181096" cy="206244"/>
+            <a:off x="1313267" y="546786"/>
+            <a:ext cx="5325425" cy="345270"/>
             <a:chOff x="3002582" y="1629633"/>
             <a:chExt cx="2284357" cy="121339"/>
           </a:xfrm>
@@ -4431,7 +4579,9 @@
                 </a:ext>
               </a:extLst>
             </p:cNvPr>
-            <p:cNvSpPr/>
+            <p:cNvSpPr>
+              <a:spLocks noGrp="1" noRot="1" noMove="1" noResize="1" noEditPoints="1" noAdjustHandles="1" noChangeArrowheads="1" noChangeShapeType="1"/>
+            </p:cNvSpPr>
             <p:nvPr/>
           </p:nvSpPr>
           <p:spPr>
@@ -4656,7 +4806,7 @@
             <a:p>
               <a:pPr algn="ctr"/>
               <a:r>
-                <a:rPr lang="en-US" altLang="ko-KR" sz="500" kern="0" dirty="0">
+                <a:rPr lang="en-US" altLang="ko-KR" sz="1100" kern="0" dirty="0">
                   <a:solidFill>
                     <a:prstClr val="black">
                       <a:lumMod val="50000"/>
@@ -4664,9 +4814,9 @@
                     </a:prstClr>
                   </a:solidFill>
                 </a:rPr>
-                <a:t>Enjoy your stylish business and campus life with BIZCAM</a:t>
+                <a:t>https://github.com/perneean?tab=repositories</a:t>
               </a:r>
-              <a:endParaRPr lang="ko-KR" altLang="en-US" sz="1400" dirty="0">
+              <a:endParaRPr lang="ko-KR" altLang="en-US" sz="1100" dirty="0">
                 <a:solidFill>
                   <a:prstClr val="black">
                     <a:lumMod val="50000"/>
@@ -4923,6 +5073,517 @@
           </p:txBody>
         </p:sp>
       </p:grpSp>
+      <p:sp>
+        <p:nvSpPr>
+          <p:cNvPr id="16" name="자유형: 도형 15">
+            <a:extLst>
+              <a:ext uri="{FF2B5EF4-FFF2-40B4-BE49-F238E27FC236}">
+                <a16:creationId xmlns:a16="http://schemas.microsoft.com/office/drawing/2014/main" id="{0515F77C-AD55-A67A-6F1E-20A43A3BA775}"/>
+              </a:ext>
+            </a:extLst>
+          </p:cNvPr>
+          <p:cNvSpPr/>
+          <p:nvPr/>
+        </p:nvSpPr>
+        <p:spPr>
+          <a:xfrm>
+            <a:off x="10423980" y="486750"/>
+            <a:ext cx="473805" cy="477947"/>
+          </a:xfrm>
+          <a:custGeom>
+            <a:avLst/>
+            <a:gdLst>
+              <a:gd name="connsiteX0" fmla="*/ 372193 w 711517"/>
+              <a:gd name="connsiteY0" fmla="*/ 605492 h 717737"/>
+              <a:gd name="connsiteX1" fmla="*/ 484438 w 711517"/>
+              <a:gd name="connsiteY1" fmla="*/ 605492 h 717737"/>
+              <a:gd name="connsiteX2" fmla="*/ 484438 w 711517"/>
+              <a:gd name="connsiteY2" fmla="*/ 717737 h 717737"/>
+              <a:gd name="connsiteX3" fmla="*/ 372193 w 711517"/>
+              <a:gd name="connsiteY3" fmla="*/ 717737 h 717737"/>
+              <a:gd name="connsiteX4" fmla="*/ 113585 w 711517"/>
+              <a:gd name="connsiteY4" fmla="*/ 494585 h 717737"/>
+              <a:gd name="connsiteX5" fmla="*/ 221694 w 711517"/>
+              <a:gd name="connsiteY5" fmla="*/ 494585 h 717737"/>
+              <a:gd name="connsiteX6" fmla="*/ 221694 w 711517"/>
+              <a:gd name="connsiteY6" fmla="*/ 602694 h 717737"/>
+              <a:gd name="connsiteX7" fmla="*/ 113585 w 711517"/>
+              <a:gd name="connsiteY7" fmla="*/ 602694 h 717737"/>
+              <a:gd name="connsiteX8" fmla="*/ 63338 w 711517"/>
+              <a:gd name="connsiteY8" fmla="*/ 444338 h 717737"/>
+              <a:gd name="connsiteX9" fmla="*/ 63338 w 711517"/>
+              <a:gd name="connsiteY9" fmla="*/ 652942 h 717737"/>
+              <a:gd name="connsiteX10" fmla="*/ 271942 w 711517"/>
+              <a:gd name="connsiteY10" fmla="*/ 652942 h 717737"/>
+              <a:gd name="connsiteX11" fmla="*/ 271942 w 711517"/>
+              <a:gd name="connsiteY11" fmla="*/ 444338 h 717737"/>
+              <a:gd name="connsiteX12" fmla="*/ 595228 w 711517"/>
+              <a:gd name="connsiteY12" fmla="*/ 381000 h 717737"/>
+              <a:gd name="connsiteX13" fmla="*/ 707473 w 711517"/>
+              <a:gd name="connsiteY13" fmla="*/ 381000 h 717737"/>
+              <a:gd name="connsiteX14" fmla="*/ 707473 w 711517"/>
+              <a:gd name="connsiteY14" fmla="*/ 493245 h 717737"/>
+              <a:gd name="connsiteX15" fmla="*/ 707473 w 711517"/>
+              <a:gd name="connsiteY15" fmla="*/ 605490 h 717737"/>
+              <a:gd name="connsiteX16" fmla="*/ 707473 w 711517"/>
+              <a:gd name="connsiteY16" fmla="*/ 717735 h 717737"/>
+              <a:gd name="connsiteX17" fmla="*/ 595228 w 711517"/>
+              <a:gd name="connsiteY17" fmla="*/ 717735 h 717737"/>
+              <a:gd name="connsiteX18" fmla="*/ 595228 w 711517"/>
+              <a:gd name="connsiteY18" fmla="*/ 605490 h 717737"/>
+              <a:gd name="connsiteX19" fmla="*/ 482983 w 711517"/>
+              <a:gd name="connsiteY19" fmla="*/ 605490 h 717737"/>
+              <a:gd name="connsiteX20" fmla="*/ 482983 w 711517"/>
+              <a:gd name="connsiteY20" fmla="*/ 493247 h 717737"/>
+              <a:gd name="connsiteX21" fmla="*/ 372193 w 711517"/>
+              <a:gd name="connsiteY21" fmla="*/ 493247 h 717737"/>
+              <a:gd name="connsiteX22" fmla="*/ 372193 w 711517"/>
+              <a:gd name="connsiteY22" fmla="*/ 381002 h 717737"/>
+              <a:gd name="connsiteX23" fmla="*/ 484438 w 711517"/>
+              <a:gd name="connsiteY23" fmla="*/ 381002 h 717737"/>
+              <a:gd name="connsiteX24" fmla="*/ 484438 w 711517"/>
+              <a:gd name="connsiteY24" fmla="*/ 493245 h 717737"/>
+              <a:gd name="connsiteX25" fmla="*/ 595228 w 711517"/>
+              <a:gd name="connsiteY25" fmla="*/ 493245 h 717737"/>
+              <a:gd name="connsiteX26" fmla="*/ 0 w 711517"/>
+              <a:gd name="connsiteY26" fmla="*/ 381000 h 717737"/>
+              <a:gd name="connsiteX27" fmla="*/ 335280 w 711517"/>
+              <a:gd name="connsiteY27" fmla="*/ 381000 h 717737"/>
+              <a:gd name="connsiteX28" fmla="*/ 335280 w 711517"/>
+              <a:gd name="connsiteY28" fmla="*/ 716280 h 717737"/>
+              <a:gd name="connsiteX29" fmla="*/ 0 w 711517"/>
+              <a:gd name="connsiteY29" fmla="*/ 716280 h 717737"/>
+              <a:gd name="connsiteX30" fmla="*/ 489822 w 711517"/>
+              <a:gd name="connsiteY30" fmla="*/ 113585 h 717737"/>
+              <a:gd name="connsiteX31" fmla="*/ 597931 w 711517"/>
+              <a:gd name="connsiteY31" fmla="*/ 113585 h 717737"/>
+              <a:gd name="connsiteX32" fmla="*/ 597931 w 711517"/>
+              <a:gd name="connsiteY32" fmla="*/ 221694 h 717737"/>
+              <a:gd name="connsiteX33" fmla="*/ 489822 w 711517"/>
+              <a:gd name="connsiteY33" fmla="*/ 221694 h 717737"/>
+              <a:gd name="connsiteX34" fmla="*/ 113585 w 711517"/>
+              <a:gd name="connsiteY34" fmla="*/ 113585 h 717737"/>
+              <a:gd name="connsiteX35" fmla="*/ 221694 w 711517"/>
+              <a:gd name="connsiteY35" fmla="*/ 113585 h 717737"/>
+              <a:gd name="connsiteX36" fmla="*/ 221694 w 711517"/>
+              <a:gd name="connsiteY36" fmla="*/ 221694 h 717737"/>
+              <a:gd name="connsiteX37" fmla="*/ 113585 w 711517"/>
+              <a:gd name="connsiteY37" fmla="*/ 221694 h 717737"/>
+              <a:gd name="connsiteX38" fmla="*/ 439575 w 711517"/>
+              <a:gd name="connsiteY38" fmla="*/ 63338 h 717737"/>
+              <a:gd name="connsiteX39" fmla="*/ 439575 w 711517"/>
+              <a:gd name="connsiteY39" fmla="*/ 271942 h 717737"/>
+              <a:gd name="connsiteX40" fmla="*/ 648179 w 711517"/>
+              <a:gd name="connsiteY40" fmla="*/ 271942 h 717737"/>
+              <a:gd name="connsiteX41" fmla="*/ 648179 w 711517"/>
+              <a:gd name="connsiteY41" fmla="*/ 63338 h 717737"/>
+              <a:gd name="connsiteX42" fmla="*/ 63338 w 711517"/>
+              <a:gd name="connsiteY42" fmla="*/ 63338 h 717737"/>
+              <a:gd name="connsiteX43" fmla="*/ 63338 w 711517"/>
+              <a:gd name="connsiteY43" fmla="*/ 271942 h 717737"/>
+              <a:gd name="connsiteX44" fmla="*/ 271942 w 711517"/>
+              <a:gd name="connsiteY44" fmla="*/ 271942 h 717737"/>
+              <a:gd name="connsiteX45" fmla="*/ 271942 w 711517"/>
+              <a:gd name="connsiteY45" fmla="*/ 63338 h 717737"/>
+              <a:gd name="connsiteX46" fmla="*/ 376237 w 711517"/>
+              <a:gd name="connsiteY46" fmla="*/ 0 h 717737"/>
+              <a:gd name="connsiteX47" fmla="*/ 711517 w 711517"/>
+              <a:gd name="connsiteY47" fmla="*/ 0 h 717737"/>
+              <a:gd name="connsiteX48" fmla="*/ 711517 w 711517"/>
+              <a:gd name="connsiteY48" fmla="*/ 335280 h 717737"/>
+              <a:gd name="connsiteX49" fmla="*/ 376237 w 711517"/>
+              <a:gd name="connsiteY49" fmla="*/ 335280 h 717737"/>
+              <a:gd name="connsiteX50" fmla="*/ 0 w 711517"/>
+              <a:gd name="connsiteY50" fmla="*/ 0 h 717737"/>
+              <a:gd name="connsiteX51" fmla="*/ 335280 w 711517"/>
+              <a:gd name="connsiteY51" fmla="*/ 0 h 717737"/>
+              <a:gd name="connsiteX52" fmla="*/ 335280 w 711517"/>
+              <a:gd name="connsiteY52" fmla="*/ 335280 h 717737"/>
+              <a:gd name="connsiteX53" fmla="*/ 0 w 711517"/>
+              <a:gd name="connsiteY53" fmla="*/ 335280 h 717737"/>
+            </a:gdLst>
+            <a:ahLst/>
+            <a:cxnLst>
+              <a:cxn ang="0">
+                <a:pos x="connsiteX0" y="connsiteY0"/>
+              </a:cxn>
+              <a:cxn ang="0">
+                <a:pos x="connsiteX1" y="connsiteY1"/>
+              </a:cxn>
+              <a:cxn ang="0">
+                <a:pos x="connsiteX2" y="connsiteY2"/>
+              </a:cxn>
+              <a:cxn ang="0">
+                <a:pos x="connsiteX3" y="connsiteY3"/>
+              </a:cxn>
+              <a:cxn ang="0">
+                <a:pos x="connsiteX4" y="connsiteY4"/>
+              </a:cxn>
+              <a:cxn ang="0">
+                <a:pos x="connsiteX5" y="connsiteY5"/>
+              </a:cxn>
+              <a:cxn ang="0">
+                <a:pos x="connsiteX6" y="connsiteY6"/>
+              </a:cxn>
+              <a:cxn ang="0">
+                <a:pos x="connsiteX7" y="connsiteY7"/>
+              </a:cxn>
+              <a:cxn ang="0">
+                <a:pos x="connsiteX8" y="connsiteY8"/>
+              </a:cxn>
+              <a:cxn ang="0">
+                <a:pos x="connsiteX9" y="connsiteY9"/>
+              </a:cxn>
+              <a:cxn ang="0">
+                <a:pos x="connsiteX10" y="connsiteY10"/>
+              </a:cxn>
+              <a:cxn ang="0">
+                <a:pos x="connsiteX11" y="connsiteY11"/>
+              </a:cxn>
+              <a:cxn ang="0">
+                <a:pos x="connsiteX12" y="connsiteY12"/>
+              </a:cxn>
+              <a:cxn ang="0">
+                <a:pos x="connsiteX13" y="connsiteY13"/>
+              </a:cxn>
+              <a:cxn ang="0">
+                <a:pos x="connsiteX14" y="connsiteY14"/>
+              </a:cxn>
+              <a:cxn ang="0">
+                <a:pos x="connsiteX15" y="connsiteY15"/>
+              </a:cxn>
+              <a:cxn ang="0">
+                <a:pos x="connsiteX16" y="connsiteY16"/>
+              </a:cxn>
+              <a:cxn ang="0">
+                <a:pos x="connsiteX17" y="connsiteY17"/>
+              </a:cxn>
+              <a:cxn ang="0">
+                <a:pos x="connsiteX18" y="connsiteY18"/>
+              </a:cxn>
+              <a:cxn ang="0">
+                <a:pos x="connsiteX19" y="connsiteY19"/>
+              </a:cxn>
+              <a:cxn ang="0">
+                <a:pos x="connsiteX20" y="connsiteY20"/>
+              </a:cxn>
+              <a:cxn ang="0">
+                <a:pos x="connsiteX21" y="connsiteY21"/>
+              </a:cxn>
+              <a:cxn ang="0">
+                <a:pos x="connsiteX22" y="connsiteY22"/>
+              </a:cxn>
+              <a:cxn ang="0">
+                <a:pos x="connsiteX23" y="connsiteY23"/>
+              </a:cxn>
+              <a:cxn ang="0">
+                <a:pos x="connsiteX24" y="connsiteY24"/>
+              </a:cxn>
+              <a:cxn ang="0">
+                <a:pos x="connsiteX25" y="connsiteY25"/>
+              </a:cxn>
+              <a:cxn ang="0">
+                <a:pos x="connsiteX26" y="connsiteY26"/>
+              </a:cxn>
+              <a:cxn ang="0">
+                <a:pos x="connsiteX27" y="connsiteY27"/>
+              </a:cxn>
+              <a:cxn ang="0">
+                <a:pos x="connsiteX28" y="connsiteY28"/>
+              </a:cxn>
+              <a:cxn ang="0">
+                <a:pos x="connsiteX29" y="connsiteY29"/>
+              </a:cxn>
+              <a:cxn ang="0">
+                <a:pos x="connsiteX30" y="connsiteY30"/>
+              </a:cxn>
+              <a:cxn ang="0">
+                <a:pos x="connsiteX31" y="connsiteY31"/>
+              </a:cxn>
+              <a:cxn ang="0">
+                <a:pos x="connsiteX32" y="connsiteY32"/>
+              </a:cxn>
+              <a:cxn ang="0">
+                <a:pos x="connsiteX33" y="connsiteY33"/>
+              </a:cxn>
+              <a:cxn ang="0">
+                <a:pos x="connsiteX34" y="connsiteY34"/>
+              </a:cxn>
+              <a:cxn ang="0">
+                <a:pos x="connsiteX35" y="connsiteY35"/>
+              </a:cxn>
+              <a:cxn ang="0">
+                <a:pos x="connsiteX36" y="connsiteY36"/>
+              </a:cxn>
+              <a:cxn ang="0">
+                <a:pos x="connsiteX37" y="connsiteY37"/>
+              </a:cxn>
+              <a:cxn ang="0">
+                <a:pos x="connsiteX38" y="connsiteY38"/>
+              </a:cxn>
+              <a:cxn ang="0">
+                <a:pos x="connsiteX39" y="connsiteY39"/>
+              </a:cxn>
+              <a:cxn ang="0">
+                <a:pos x="connsiteX40" y="connsiteY40"/>
+              </a:cxn>
+              <a:cxn ang="0">
+                <a:pos x="connsiteX41" y="connsiteY41"/>
+              </a:cxn>
+              <a:cxn ang="0">
+                <a:pos x="connsiteX42" y="connsiteY42"/>
+              </a:cxn>
+              <a:cxn ang="0">
+                <a:pos x="connsiteX43" y="connsiteY43"/>
+              </a:cxn>
+              <a:cxn ang="0">
+                <a:pos x="connsiteX44" y="connsiteY44"/>
+              </a:cxn>
+              <a:cxn ang="0">
+                <a:pos x="connsiteX45" y="connsiteY45"/>
+              </a:cxn>
+              <a:cxn ang="0">
+                <a:pos x="connsiteX46" y="connsiteY46"/>
+              </a:cxn>
+              <a:cxn ang="0">
+                <a:pos x="connsiteX47" y="connsiteY47"/>
+              </a:cxn>
+              <a:cxn ang="0">
+                <a:pos x="connsiteX48" y="connsiteY48"/>
+              </a:cxn>
+              <a:cxn ang="0">
+                <a:pos x="connsiteX49" y="connsiteY49"/>
+              </a:cxn>
+              <a:cxn ang="0">
+                <a:pos x="connsiteX50" y="connsiteY50"/>
+              </a:cxn>
+              <a:cxn ang="0">
+                <a:pos x="connsiteX51" y="connsiteY51"/>
+              </a:cxn>
+              <a:cxn ang="0">
+                <a:pos x="connsiteX52" y="connsiteY52"/>
+              </a:cxn>
+              <a:cxn ang="0">
+                <a:pos x="connsiteX53" y="connsiteY53"/>
+              </a:cxn>
+            </a:cxnLst>
+            <a:rect l="l" t="t" r="r" b="b"/>
+            <a:pathLst>
+              <a:path w="711517" h="717737">
+                <a:moveTo>
+                  <a:pt x="372193" y="605492"/>
+                </a:moveTo>
+                <a:lnTo>
+                  <a:pt x="484438" y="605492"/>
+                </a:lnTo>
+                <a:lnTo>
+                  <a:pt x="484438" y="717737"/>
+                </a:lnTo>
+                <a:lnTo>
+                  <a:pt x="372193" y="717737"/>
+                </a:lnTo>
+                <a:close/>
+                <a:moveTo>
+                  <a:pt x="113585" y="494585"/>
+                </a:moveTo>
+                <a:lnTo>
+                  <a:pt x="221694" y="494585"/>
+                </a:lnTo>
+                <a:lnTo>
+                  <a:pt x="221694" y="602694"/>
+                </a:lnTo>
+                <a:lnTo>
+                  <a:pt x="113585" y="602694"/>
+                </a:lnTo>
+                <a:close/>
+                <a:moveTo>
+                  <a:pt x="63338" y="444338"/>
+                </a:moveTo>
+                <a:lnTo>
+                  <a:pt x="63338" y="652942"/>
+                </a:lnTo>
+                <a:lnTo>
+                  <a:pt x="271942" y="652942"/>
+                </a:lnTo>
+                <a:lnTo>
+                  <a:pt x="271942" y="444338"/>
+                </a:lnTo>
+                <a:close/>
+                <a:moveTo>
+                  <a:pt x="595228" y="381000"/>
+                </a:moveTo>
+                <a:lnTo>
+                  <a:pt x="707473" y="381000"/>
+                </a:lnTo>
+                <a:lnTo>
+                  <a:pt x="707473" y="493245"/>
+                </a:lnTo>
+                <a:lnTo>
+                  <a:pt x="707473" y="605490"/>
+                </a:lnTo>
+                <a:lnTo>
+                  <a:pt x="707473" y="717735"/>
+                </a:lnTo>
+                <a:lnTo>
+                  <a:pt x="595228" y="717735"/>
+                </a:lnTo>
+                <a:lnTo>
+                  <a:pt x="595228" y="605490"/>
+                </a:lnTo>
+                <a:lnTo>
+                  <a:pt x="482983" y="605490"/>
+                </a:lnTo>
+                <a:lnTo>
+                  <a:pt x="482983" y="493247"/>
+                </a:lnTo>
+                <a:lnTo>
+                  <a:pt x="372193" y="493247"/>
+                </a:lnTo>
+                <a:lnTo>
+                  <a:pt x="372193" y="381002"/>
+                </a:lnTo>
+                <a:lnTo>
+                  <a:pt x="484438" y="381002"/>
+                </a:lnTo>
+                <a:lnTo>
+                  <a:pt x="484438" y="493245"/>
+                </a:lnTo>
+                <a:lnTo>
+                  <a:pt x="595228" y="493245"/>
+                </a:lnTo>
+                <a:close/>
+                <a:moveTo>
+                  <a:pt x="0" y="381000"/>
+                </a:moveTo>
+                <a:lnTo>
+                  <a:pt x="335280" y="381000"/>
+                </a:lnTo>
+                <a:lnTo>
+                  <a:pt x="335280" y="716280"/>
+                </a:lnTo>
+                <a:lnTo>
+                  <a:pt x="0" y="716280"/>
+                </a:lnTo>
+                <a:close/>
+                <a:moveTo>
+                  <a:pt x="489822" y="113585"/>
+                </a:moveTo>
+                <a:lnTo>
+                  <a:pt x="597931" y="113585"/>
+                </a:lnTo>
+                <a:lnTo>
+                  <a:pt x="597931" y="221694"/>
+                </a:lnTo>
+                <a:lnTo>
+                  <a:pt x="489822" y="221694"/>
+                </a:lnTo>
+                <a:close/>
+                <a:moveTo>
+                  <a:pt x="113585" y="113585"/>
+                </a:moveTo>
+                <a:lnTo>
+                  <a:pt x="221694" y="113585"/>
+                </a:lnTo>
+                <a:lnTo>
+                  <a:pt x="221694" y="221694"/>
+                </a:lnTo>
+                <a:lnTo>
+                  <a:pt x="113585" y="221694"/>
+                </a:lnTo>
+                <a:close/>
+                <a:moveTo>
+                  <a:pt x="439575" y="63338"/>
+                </a:moveTo>
+                <a:lnTo>
+                  <a:pt x="439575" y="271942"/>
+                </a:lnTo>
+                <a:lnTo>
+                  <a:pt x="648179" y="271942"/>
+                </a:lnTo>
+                <a:lnTo>
+                  <a:pt x="648179" y="63338"/>
+                </a:lnTo>
+                <a:close/>
+                <a:moveTo>
+                  <a:pt x="63338" y="63338"/>
+                </a:moveTo>
+                <a:lnTo>
+                  <a:pt x="63338" y="271942"/>
+                </a:lnTo>
+                <a:lnTo>
+                  <a:pt x="271942" y="271942"/>
+                </a:lnTo>
+                <a:lnTo>
+                  <a:pt x="271942" y="63338"/>
+                </a:lnTo>
+                <a:close/>
+                <a:moveTo>
+                  <a:pt x="376237" y="0"/>
+                </a:moveTo>
+                <a:lnTo>
+                  <a:pt x="711517" y="0"/>
+                </a:lnTo>
+                <a:lnTo>
+                  <a:pt x="711517" y="335280"/>
+                </a:lnTo>
+                <a:lnTo>
+                  <a:pt x="376237" y="335280"/>
+                </a:lnTo>
+                <a:close/>
+                <a:moveTo>
+                  <a:pt x="0" y="0"/>
+                </a:moveTo>
+                <a:lnTo>
+                  <a:pt x="335280" y="0"/>
+                </a:lnTo>
+                <a:lnTo>
+                  <a:pt x="335280" y="335280"/>
+                </a:lnTo>
+                <a:lnTo>
+                  <a:pt x="0" y="335280"/>
+                </a:lnTo>
+                <a:close/>
+              </a:path>
+            </a:pathLst>
+          </a:custGeom>
+          <a:solidFill>
+            <a:schemeClr val="bg1"/>
+          </a:solidFill>
+          <a:ln>
+            <a:noFill/>
+          </a:ln>
+        </p:spPr>
+        <p:style>
+          <a:lnRef idx="2">
+            <a:schemeClr val="accent1">
+              <a:shade val="50000"/>
+            </a:schemeClr>
+          </a:lnRef>
+          <a:fillRef idx="1">
+            <a:schemeClr val="accent1"/>
+          </a:fillRef>
+          <a:effectRef idx="0">
+            <a:schemeClr val="accent1"/>
+          </a:effectRef>
+          <a:fontRef idx="minor">
+            <a:schemeClr val="lt1"/>
+          </a:fontRef>
+        </p:style>
+        <p:txBody>
+          <a:bodyPr wrap="square" rtlCol="0" anchor="ctr">
+            <a:noAutofit/>
+          </a:bodyPr>
+          <a:lstStyle/>
+          <a:p>
+            <a:pPr algn="ctr"/>
+            <a:endParaRPr lang="ko-KR" altLang="en-US">
+              <a:solidFill>
+                <a:prstClr val="white"/>
+              </a:solidFill>
+            </a:endParaRPr>
+          </a:p>
+        </p:txBody>
+      </p:sp>
     </p:spTree>
     <p:extLst>
       <p:ext uri="{BB962C8B-B14F-4D97-AF65-F5344CB8AC3E}">
@@ -6112,3134 +6773,10 @@
           </p:txBody>
         </p:sp>
       </p:grpSp>
-      <p:sp>
-        <p:nvSpPr>
-          <p:cNvPr id="2" name="직사각형 1"/>
-          <p:cNvSpPr/>
-          <p:nvPr/>
-        </p:nvSpPr>
-        <p:spPr>
-          <a:xfrm>
-            <a:off x="1755174" y="4252937"/>
-            <a:ext cx="8083453" cy="1404914"/>
-          </a:xfrm>
-          <a:prstGeom prst="rect">
-            <a:avLst/>
-          </a:prstGeom>
-          <a:solidFill>
-            <a:srgbClr val="F2FAFC"/>
-          </a:solidFill>
-          <a:ln>
-            <a:noFill/>
-          </a:ln>
-        </p:spPr>
-        <p:style>
-          <a:lnRef idx="2">
-            <a:schemeClr val="accent1">
-              <a:shade val="50000"/>
-            </a:schemeClr>
-          </a:lnRef>
-          <a:fillRef idx="1">
-            <a:schemeClr val="accent1"/>
-          </a:fillRef>
-          <a:effectRef idx="0">
-            <a:schemeClr val="accent1"/>
-          </a:effectRef>
-          <a:fontRef idx="minor">
-            <a:schemeClr val="lt1"/>
-          </a:fontRef>
-        </p:style>
-        <p:txBody>
-          <a:bodyPr rtlCol="0" anchor="ctr"/>
-          <a:lstStyle/>
-          <a:p>
-            <a:pPr algn="ctr"/>
-            <a:endParaRPr lang="ko-KR" altLang="en-US">
-              <a:solidFill>
-                <a:prstClr val="white"/>
-              </a:solidFill>
-            </a:endParaRPr>
-          </a:p>
-        </p:txBody>
-      </p:sp>
-      <p:sp>
-        <p:nvSpPr>
-          <p:cNvPr id="15" name="모서리가 둥근 직사각형 12">
-            <a:extLst>
-              <a:ext uri="{FF2B5EF4-FFF2-40B4-BE49-F238E27FC236}">
-                <a16:creationId xmlns:a16="http://schemas.microsoft.com/office/drawing/2014/main" id="{8D7299E4-14DF-4D40-B3BF-F97EFD169D6E}"/>
-              </a:ext>
-            </a:extLst>
-          </p:cNvPr>
-          <p:cNvSpPr/>
-          <p:nvPr/>
-        </p:nvSpPr>
-        <p:spPr>
-          <a:xfrm>
-            <a:off x="2086674" y="2533799"/>
-            <a:ext cx="7433057" cy="623751"/>
-          </a:xfrm>
-          <a:prstGeom prst="roundRect">
-            <a:avLst>
-              <a:gd name="adj" fmla="val 50000"/>
-            </a:avLst>
-          </a:prstGeom>
-          <a:pattFill prst="wdUpDiag">
-            <a:fgClr>
-              <a:srgbClr val="F2FAFC"/>
-            </a:fgClr>
-            <a:bgClr>
-              <a:schemeClr val="bg1"/>
-            </a:bgClr>
-          </a:pattFill>
-          <a:ln>
-            <a:solidFill>
-              <a:srgbClr val="11A1C4"/>
-            </a:solidFill>
-            <a:prstDash val="dash"/>
-          </a:ln>
-        </p:spPr>
-        <p:style>
-          <a:lnRef idx="2">
-            <a:schemeClr val="accent1">
-              <a:shade val="50000"/>
-            </a:schemeClr>
-          </a:lnRef>
-          <a:fillRef idx="1">
-            <a:schemeClr val="accent1"/>
-          </a:fillRef>
-          <a:effectRef idx="0">
-            <a:schemeClr val="accent1"/>
-          </a:effectRef>
-          <a:fontRef idx="minor">
-            <a:schemeClr val="lt1"/>
-          </a:fontRef>
-        </p:style>
-        <p:txBody>
-          <a:bodyPr rtlCol="0" anchor="ctr"/>
-          <a:lstStyle/>
-          <a:p>
-            <a:pPr algn="ctr">
-              <a:defRPr/>
-            </a:pPr>
-            <a:endParaRPr lang="ko-KR" altLang="en-US" sz="1600" dirty="0">
-              <a:solidFill>
-                <a:prstClr val="black">
-                  <a:lumMod val="50000"/>
-                  <a:lumOff val="50000"/>
-                </a:prstClr>
-              </a:solidFill>
-            </a:endParaRPr>
-          </a:p>
-        </p:txBody>
-      </p:sp>
-      <p:sp>
-        <p:nvSpPr>
-          <p:cNvPr id="16" name="양쪽 모서리가 둥근 사각형 13">
-            <a:extLst>
-              <a:ext uri="{FF2B5EF4-FFF2-40B4-BE49-F238E27FC236}">
-                <a16:creationId xmlns:a16="http://schemas.microsoft.com/office/drawing/2014/main" id="{5DF27CBF-8F72-4864-9079-7FF2EB6C6768}"/>
-              </a:ext>
-            </a:extLst>
-          </p:cNvPr>
-          <p:cNvSpPr/>
-          <p:nvPr/>
-        </p:nvSpPr>
-        <p:spPr>
-          <a:xfrm rot="16200000">
-            <a:off x="3964152" y="656318"/>
-            <a:ext cx="623751" cy="4378707"/>
-          </a:xfrm>
-          <a:prstGeom prst="round2SameRect">
-            <a:avLst>
-              <a:gd name="adj1" fmla="val 50000"/>
-              <a:gd name="adj2" fmla="val 0"/>
-            </a:avLst>
-          </a:prstGeom>
-          <a:solidFill>
-            <a:srgbClr val="11A1C4"/>
-          </a:solidFill>
-          <a:ln>
-            <a:solidFill>
-              <a:srgbClr val="11A1C4"/>
-            </a:solidFill>
-          </a:ln>
-        </p:spPr>
-        <p:style>
-          <a:lnRef idx="2">
-            <a:schemeClr val="accent1">
-              <a:shade val="50000"/>
-            </a:schemeClr>
-          </a:lnRef>
-          <a:fillRef idx="1">
-            <a:schemeClr val="accent1"/>
-          </a:fillRef>
-          <a:effectRef idx="0">
-            <a:schemeClr val="accent1"/>
-          </a:effectRef>
-          <a:fontRef idx="minor">
-            <a:schemeClr val="lt1"/>
-          </a:fontRef>
-        </p:style>
-        <p:txBody>
-          <a:bodyPr rtlCol="0" anchor="ctr"/>
-          <a:lstStyle/>
-          <a:p>
-            <a:pPr algn="ctr">
-              <a:defRPr/>
-            </a:pPr>
-            <a:endParaRPr lang="ko-KR" altLang="en-US" b="1" dirty="0">
-              <a:solidFill>
-                <a:prstClr val="white"/>
-              </a:solidFill>
-            </a:endParaRPr>
-          </a:p>
-        </p:txBody>
-      </p:sp>
-      <p:cxnSp>
-        <p:nvCxnSpPr>
-          <p:cNvPr id="17" name="직선 연결선 16">
-            <a:extLst>
-              <a:ext uri="{FF2B5EF4-FFF2-40B4-BE49-F238E27FC236}">
-                <a16:creationId xmlns:a16="http://schemas.microsoft.com/office/drawing/2014/main" id="{23097B00-FF67-4489-BFC0-505F6B816BAB}"/>
-              </a:ext>
-            </a:extLst>
-          </p:cNvPr>
-          <p:cNvCxnSpPr/>
-          <p:nvPr/>
-        </p:nvCxnSpPr>
-        <p:spPr>
-          <a:xfrm flipV="1">
-            <a:off x="4276028" y="1601884"/>
-            <a:ext cx="0" cy="936000"/>
-          </a:xfrm>
-          <a:prstGeom prst="line">
-            <a:avLst/>
-          </a:prstGeom>
-          <a:ln w="12700">
-            <a:solidFill>
-              <a:srgbClr val="11A1C4"/>
-            </a:solidFill>
-            <a:tailEnd type="oval"/>
-          </a:ln>
-        </p:spPr>
-        <p:style>
-          <a:lnRef idx="1">
-            <a:schemeClr val="accent1"/>
-          </a:lnRef>
-          <a:fillRef idx="0">
-            <a:schemeClr val="accent1"/>
-          </a:fillRef>
-          <a:effectRef idx="0">
-            <a:schemeClr val="accent1"/>
-          </a:effectRef>
-          <a:fontRef idx="minor">
-            <a:schemeClr val="tx1"/>
-          </a:fontRef>
-        </p:style>
-      </p:cxnSp>
-      <p:cxnSp>
-        <p:nvCxnSpPr>
-          <p:cNvPr id="18" name="직선 연결선 17">
-            <a:extLst>
-              <a:ext uri="{FF2B5EF4-FFF2-40B4-BE49-F238E27FC236}">
-                <a16:creationId xmlns:a16="http://schemas.microsoft.com/office/drawing/2014/main" id="{E390402A-22A0-47D7-BFED-2A6F88F0A275}"/>
-              </a:ext>
-            </a:extLst>
-          </p:cNvPr>
-          <p:cNvCxnSpPr/>
-          <p:nvPr/>
-        </p:nvCxnSpPr>
-        <p:spPr>
-          <a:xfrm flipV="1">
-            <a:off x="7984428" y="1608485"/>
-            <a:ext cx="0" cy="936000"/>
-          </a:xfrm>
-          <a:prstGeom prst="line">
-            <a:avLst/>
-          </a:prstGeom>
-          <a:ln w="12700">
-            <a:solidFill>
-              <a:srgbClr val="11A1C4"/>
-            </a:solidFill>
-            <a:prstDash val="dash"/>
-            <a:tailEnd type="oval"/>
-          </a:ln>
-        </p:spPr>
-        <p:style>
-          <a:lnRef idx="1">
-            <a:schemeClr val="accent1"/>
-          </a:lnRef>
-          <a:fillRef idx="0">
-            <a:schemeClr val="accent1"/>
-          </a:fillRef>
-          <a:effectRef idx="0">
-            <a:schemeClr val="accent1"/>
-          </a:effectRef>
-          <a:fontRef idx="minor">
-            <a:schemeClr val="tx1"/>
-          </a:fontRef>
-        </p:style>
-      </p:cxnSp>
-      <p:graphicFrame>
-        <p:nvGraphicFramePr>
-          <p:cNvPr id="19" name="표 18">
-            <a:extLst>
-              <a:ext uri="{FF2B5EF4-FFF2-40B4-BE49-F238E27FC236}">
-                <a16:creationId xmlns:a16="http://schemas.microsoft.com/office/drawing/2014/main" id="{908EEB87-7580-48E2-8F3E-0565E1670093}"/>
-              </a:ext>
-            </a:extLst>
-          </p:cNvPr>
-          <p:cNvGraphicFramePr>
-            <a:graphicFrameLocks noGrp="1"/>
-          </p:cNvGraphicFramePr>
-          <p:nvPr/>
-        </p:nvGraphicFramePr>
-        <p:xfrm>
-          <a:off x="2086674" y="3476198"/>
-          <a:ext cx="7433060" cy="310849"/>
-        </p:xfrm>
-        <a:graphic>
-          <a:graphicData uri="http://schemas.openxmlformats.org/drawingml/2006/table">
-            <a:tbl>
-              <a:tblPr firstRow="1" bandRow="1">
-                <a:tableStyleId>{5C22544A-7EE6-4342-B048-85BDC9FD1C3A}</a:tableStyleId>
-              </a:tblPr>
-              <a:tblGrid>
-                <a:gridCol w="743306">
-                  <a:extLst>
-                    <a:ext uri="{9D8B030D-6E8A-4147-A177-3AD203B41FA5}">
-                      <a16:colId xmlns:a16="http://schemas.microsoft.com/office/drawing/2014/main" val="20000"/>
-                    </a:ext>
-                  </a:extLst>
-                </a:gridCol>
-                <a:gridCol w="743306">
-                  <a:extLst>
-                    <a:ext uri="{9D8B030D-6E8A-4147-A177-3AD203B41FA5}">
-                      <a16:colId xmlns:a16="http://schemas.microsoft.com/office/drawing/2014/main" val="20001"/>
-                    </a:ext>
-                  </a:extLst>
-                </a:gridCol>
-                <a:gridCol w="743306">
-                  <a:extLst>
-                    <a:ext uri="{9D8B030D-6E8A-4147-A177-3AD203B41FA5}">
-                      <a16:colId xmlns:a16="http://schemas.microsoft.com/office/drawing/2014/main" val="20002"/>
-                    </a:ext>
-                  </a:extLst>
-                </a:gridCol>
-                <a:gridCol w="743306">
-                  <a:extLst>
-                    <a:ext uri="{9D8B030D-6E8A-4147-A177-3AD203B41FA5}">
-                      <a16:colId xmlns:a16="http://schemas.microsoft.com/office/drawing/2014/main" val="20003"/>
-                    </a:ext>
-                  </a:extLst>
-                </a:gridCol>
-                <a:gridCol w="743306">
-                  <a:extLst>
-                    <a:ext uri="{9D8B030D-6E8A-4147-A177-3AD203B41FA5}">
-                      <a16:colId xmlns:a16="http://schemas.microsoft.com/office/drawing/2014/main" val="20004"/>
-                    </a:ext>
-                  </a:extLst>
-                </a:gridCol>
-                <a:gridCol w="743306">
-                  <a:extLst>
-                    <a:ext uri="{9D8B030D-6E8A-4147-A177-3AD203B41FA5}">
-                      <a16:colId xmlns:a16="http://schemas.microsoft.com/office/drawing/2014/main" val="20005"/>
-                    </a:ext>
-                  </a:extLst>
-                </a:gridCol>
-                <a:gridCol w="743306">
-                  <a:extLst>
-                    <a:ext uri="{9D8B030D-6E8A-4147-A177-3AD203B41FA5}">
-                      <a16:colId xmlns:a16="http://schemas.microsoft.com/office/drawing/2014/main" val="20006"/>
-                    </a:ext>
-                  </a:extLst>
-                </a:gridCol>
-                <a:gridCol w="743306">
-                  <a:extLst>
-                    <a:ext uri="{9D8B030D-6E8A-4147-A177-3AD203B41FA5}">
-                      <a16:colId xmlns:a16="http://schemas.microsoft.com/office/drawing/2014/main" val="20007"/>
-                    </a:ext>
-                  </a:extLst>
-                </a:gridCol>
-                <a:gridCol w="743306">
-                  <a:extLst>
-                    <a:ext uri="{9D8B030D-6E8A-4147-A177-3AD203B41FA5}">
-                      <a16:colId xmlns:a16="http://schemas.microsoft.com/office/drawing/2014/main" val="20008"/>
-                    </a:ext>
-                  </a:extLst>
-                </a:gridCol>
-                <a:gridCol w="743306">
-                  <a:extLst>
-                    <a:ext uri="{9D8B030D-6E8A-4147-A177-3AD203B41FA5}">
-                      <a16:colId xmlns:a16="http://schemas.microsoft.com/office/drawing/2014/main" val="20009"/>
-                    </a:ext>
-                  </a:extLst>
-                </a:gridCol>
-              </a:tblGrid>
-              <a:tr h="310849">
-                <a:tc>
-                  <a:txBody>
-                    <a:bodyPr/>
-                    <a:lstStyle/>
-                    <a:p>
-                      <a:pPr latinLnBrk="1"/>
-                      <a:r>
-                        <a:rPr lang="en-US" altLang="ko-KR" sz="1050" b="0" dirty="0">
-                          <a:solidFill>
-                            <a:schemeClr val="tx1">
-                              <a:lumMod val="75000"/>
-                              <a:lumOff val="25000"/>
-                            </a:schemeClr>
-                          </a:solidFill>
-                        </a:rPr>
-                        <a:t>0</a:t>
-                      </a:r>
-                      <a:endParaRPr lang="ko-KR" altLang="en-US" sz="1050" b="0" dirty="0">
-                        <a:solidFill>
-                          <a:schemeClr val="tx1">
-                            <a:lumMod val="75000"/>
-                            <a:lumOff val="25000"/>
-                          </a:schemeClr>
-                        </a:solidFill>
-                      </a:endParaRPr>
-                    </a:p>
-                  </a:txBody>
-                  <a:tcPr>
-                    <a:lnL w="12700" cap="flat" cmpd="sng" algn="ctr">
-                      <a:solidFill>
-                        <a:srgbClr val="11A1C4"/>
-                      </a:solidFill>
-                      <a:prstDash val="solid"/>
-                      <a:round/>
-                      <a:headEnd type="none" w="med" len="med"/>
-                      <a:tailEnd type="none" w="med" len="med"/>
-                    </a:lnL>
-                    <a:lnR w="12700" cap="flat" cmpd="sng" algn="ctr">
-                      <a:solidFill>
-                        <a:srgbClr val="11A1C4"/>
-                      </a:solidFill>
-                      <a:prstDash val="solid"/>
-                      <a:round/>
-                      <a:headEnd type="none" w="med" len="med"/>
-                      <a:tailEnd type="none" w="med" len="med"/>
-                    </a:lnR>
-                    <a:lnT w="12700" cmpd="sng">
-                      <a:noFill/>
-                    </a:lnT>
-                    <a:lnB w="38100" cmpd="sng">
-                      <a:noFill/>
-                    </a:lnB>
-                    <a:lnTlToBr w="12700" cmpd="sng">
-                      <a:noFill/>
-                      <a:prstDash val="solid"/>
-                    </a:lnTlToBr>
-                    <a:lnBlToTr w="12700" cmpd="sng">
-                      <a:noFill/>
-                      <a:prstDash val="solid"/>
-                    </a:lnBlToTr>
-                    <a:noFill/>
-                  </a:tcPr>
-                </a:tc>
-                <a:tc>
-                  <a:txBody>
-                    <a:bodyPr/>
-                    <a:lstStyle/>
-                    <a:p>
-                      <a:pPr latinLnBrk="1"/>
-                      <a:r>
-                        <a:rPr lang="en-US" altLang="ko-KR" sz="1050" b="0" dirty="0">
-                          <a:solidFill>
-                            <a:schemeClr val="tx1">
-                              <a:lumMod val="75000"/>
-                              <a:lumOff val="25000"/>
-                            </a:schemeClr>
-                          </a:solidFill>
-                        </a:rPr>
-                        <a:t>10</a:t>
-                      </a:r>
-                      <a:endParaRPr lang="ko-KR" altLang="en-US" sz="1050" b="0" dirty="0">
-                        <a:solidFill>
-                          <a:schemeClr val="tx1">
-                            <a:lumMod val="75000"/>
-                            <a:lumOff val="25000"/>
-                          </a:schemeClr>
-                        </a:solidFill>
-                      </a:endParaRPr>
-                    </a:p>
-                  </a:txBody>
-                  <a:tcPr>
-                    <a:lnL w="12700" cap="flat" cmpd="sng" algn="ctr">
-                      <a:solidFill>
-                        <a:srgbClr val="11A1C4"/>
-                      </a:solidFill>
-                      <a:prstDash val="solid"/>
-                      <a:round/>
-                      <a:headEnd type="none" w="med" len="med"/>
-                      <a:tailEnd type="none" w="med" len="med"/>
-                    </a:lnL>
-                    <a:lnR w="12700" cap="flat" cmpd="sng" algn="ctr">
-                      <a:solidFill>
-                        <a:srgbClr val="11A1C4"/>
-                      </a:solidFill>
-                      <a:prstDash val="solid"/>
-                      <a:round/>
-                      <a:headEnd type="none" w="med" len="med"/>
-                      <a:tailEnd type="none" w="med" len="med"/>
-                    </a:lnR>
-                    <a:lnT w="12700" cmpd="sng">
-                      <a:noFill/>
-                    </a:lnT>
-                    <a:lnB w="38100" cmpd="sng">
-                      <a:noFill/>
-                    </a:lnB>
-                    <a:lnTlToBr w="12700" cmpd="sng">
-                      <a:noFill/>
-                      <a:prstDash val="solid"/>
-                    </a:lnTlToBr>
-                    <a:lnBlToTr w="12700" cmpd="sng">
-                      <a:noFill/>
-                      <a:prstDash val="solid"/>
-                    </a:lnBlToTr>
-                    <a:noFill/>
-                  </a:tcPr>
-                </a:tc>
-                <a:tc>
-                  <a:txBody>
-                    <a:bodyPr/>
-                    <a:lstStyle/>
-                    <a:p>
-                      <a:pPr latinLnBrk="1"/>
-                      <a:r>
-                        <a:rPr lang="en-US" altLang="ko-KR" sz="1050" b="0" dirty="0">
-                          <a:solidFill>
-                            <a:schemeClr val="tx1">
-                              <a:lumMod val="75000"/>
-                              <a:lumOff val="25000"/>
-                            </a:schemeClr>
-                          </a:solidFill>
-                        </a:rPr>
-                        <a:t>20</a:t>
-                      </a:r>
-                      <a:endParaRPr lang="ko-KR" altLang="en-US" sz="1050" b="0" dirty="0">
-                        <a:solidFill>
-                          <a:schemeClr val="tx1">
-                            <a:lumMod val="75000"/>
-                            <a:lumOff val="25000"/>
-                          </a:schemeClr>
-                        </a:solidFill>
-                      </a:endParaRPr>
-                    </a:p>
-                  </a:txBody>
-                  <a:tcPr>
-                    <a:lnL w="12700" cap="flat" cmpd="sng" algn="ctr">
-                      <a:solidFill>
-                        <a:srgbClr val="11A1C4"/>
-                      </a:solidFill>
-                      <a:prstDash val="solid"/>
-                      <a:round/>
-                      <a:headEnd type="none" w="med" len="med"/>
-                      <a:tailEnd type="none" w="med" len="med"/>
-                    </a:lnL>
-                    <a:lnR w="12700" cap="flat" cmpd="sng" algn="ctr">
-                      <a:solidFill>
-                        <a:srgbClr val="11A1C4"/>
-                      </a:solidFill>
-                      <a:prstDash val="solid"/>
-                      <a:round/>
-                      <a:headEnd type="none" w="med" len="med"/>
-                      <a:tailEnd type="none" w="med" len="med"/>
-                    </a:lnR>
-                    <a:lnT w="12700" cmpd="sng">
-                      <a:noFill/>
-                    </a:lnT>
-                    <a:lnB w="38100" cmpd="sng">
-                      <a:noFill/>
-                    </a:lnB>
-                    <a:lnTlToBr w="12700" cmpd="sng">
-                      <a:noFill/>
-                      <a:prstDash val="solid"/>
-                    </a:lnTlToBr>
-                    <a:lnBlToTr w="12700" cmpd="sng">
-                      <a:noFill/>
-                      <a:prstDash val="solid"/>
-                    </a:lnBlToTr>
-                    <a:noFill/>
-                  </a:tcPr>
-                </a:tc>
-                <a:tc>
-                  <a:txBody>
-                    <a:bodyPr/>
-                    <a:lstStyle/>
-                    <a:p>
-                      <a:pPr latinLnBrk="1"/>
-                      <a:r>
-                        <a:rPr lang="en-US" altLang="ko-KR" sz="1050" b="0" dirty="0">
-                          <a:solidFill>
-                            <a:schemeClr val="tx1">
-                              <a:lumMod val="75000"/>
-                              <a:lumOff val="25000"/>
-                            </a:schemeClr>
-                          </a:solidFill>
-                        </a:rPr>
-                        <a:t>30</a:t>
-                      </a:r>
-                      <a:endParaRPr lang="ko-KR" altLang="en-US" sz="1050" b="0" dirty="0">
-                        <a:solidFill>
-                          <a:schemeClr val="tx1">
-                            <a:lumMod val="75000"/>
-                            <a:lumOff val="25000"/>
-                          </a:schemeClr>
-                        </a:solidFill>
-                      </a:endParaRPr>
-                    </a:p>
-                  </a:txBody>
-                  <a:tcPr>
-                    <a:lnL w="12700" cap="flat" cmpd="sng" algn="ctr">
-                      <a:solidFill>
-                        <a:srgbClr val="11A1C4"/>
-                      </a:solidFill>
-                      <a:prstDash val="solid"/>
-                      <a:round/>
-                      <a:headEnd type="none" w="med" len="med"/>
-                      <a:tailEnd type="none" w="med" len="med"/>
-                    </a:lnL>
-                    <a:lnR w="12700" cap="flat" cmpd="sng" algn="ctr">
-                      <a:solidFill>
-                        <a:srgbClr val="11A1C4"/>
-                      </a:solidFill>
-                      <a:prstDash val="solid"/>
-                      <a:round/>
-                      <a:headEnd type="none" w="med" len="med"/>
-                      <a:tailEnd type="none" w="med" len="med"/>
-                    </a:lnR>
-                    <a:lnT w="12700" cmpd="sng">
-                      <a:noFill/>
-                    </a:lnT>
-                    <a:lnB w="38100" cmpd="sng">
-                      <a:noFill/>
-                    </a:lnB>
-                    <a:lnTlToBr w="12700" cmpd="sng">
-                      <a:noFill/>
-                      <a:prstDash val="solid"/>
-                    </a:lnTlToBr>
-                    <a:lnBlToTr w="12700" cmpd="sng">
-                      <a:noFill/>
-                      <a:prstDash val="solid"/>
-                    </a:lnBlToTr>
-                    <a:noFill/>
-                  </a:tcPr>
-                </a:tc>
-                <a:tc>
-                  <a:txBody>
-                    <a:bodyPr/>
-                    <a:lstStyle/>
-                    <a:p>
-                      <a:pPr latinLnBrk="1"/>
-                      <a:r>
-                        <a:rPr lang="en-US" altLang="ko-KR" sz="1050" b="0" dirty="0">
-                          <a:solidFill>
-                            <a:schemeClr val="tx1">
-                              <a:lumMod val="75000"/>
-                              <a:lumOff val="25000"/>
-                            </a:schemeClr>
-                          </a:solidFill>
-                        </a:rPr>
-                        <a:t>40</a:t>
-                      </a:r>
-                      <a:endParaRPr lang="ko-KR" altLang="en-US" sz="1050" b="0" dirty="0">
-                        <a:solidFill>
-                          <a:schemeClr val="tx1">
-                            <a:lumMod val="75000"/>
-                            <a:lumOff val="25000"/>
-                          </a:schemeClr>
-                        </a:solidFill>
-                      </a:endParaRPr>
-                    </a:p>
-                  </a:txBody>
-                  <a:tcPr>
-                    <a:lnL w="12700" cap="flat" cmpd="sng" algn="ctr">
-                      <a:solidFill>
-                        <a:srgbClr val="11A1C4"/>
-                      </a:solidFill>
-                      <a:prstDash val="solid"/>
-                      <a:round/>
-                      <a:headEnd type="none" w="med" len="med"/>
-                      <a:tailEnd type="none" w="med" len="med"/>
-                    </a:lnL>
-                    <a:lnR w="12700" cap="flat" cmpd="sng" algn="ctr">
-                      <a:solidFill>
-                        <a:srgbClr val="11A1C4"/>
-                      </a:solidFill>
-                      <a:prstDash val="solid"/>
-                      <a:round/>
-                      <a:headEnd type="none" w="med" len="med"/>
-                      <a:tailEnd type="none" w="med" len="med"/>
-                    </a:lnR>
-                    <a:lnT w="12700" cmpd="sng">
-                      <a:noFill/>
-                    </a:lnT>
-                    <a:lnB w="38100" cmpd="sng">
-                      <a:noFill/>
-                    </a:lnB>
-                    <a:lnTlToBr w="12700" cmpd="sng">
-                      <a:noFill/>
-                      <a:prstDash val="solid"/>
-                    </a:lnTlToBr>
-                    <a:lnBlToTr w="12700" cmpd="sng">
-                      <a:noFill/>
-                      <a:prstDash val="solid"/>
-                    </a:lnBlToTr>
-                    <a:noFill/>
-                  </a:tcPr>
-                </a:tc>
-                <a:tc>
-                  <a:txBody>
-                    <a:bodyPr/>
-                    <a:lstStyle/>
-                    <a:p>
-                      <a:pPr latinLnBrk="1"/>
-                      <a:r>
-                        <a:rPr lang="en-US" altLang="ko-KR" sz="1050" b="0" dirty="0">
-                          <a:solidFill>
-                            <a:schemeClr val="tx1">
-                              <a:lumMod val="75000"/>
-                              <a:lumOff val="25000"/>
-                            </a:schemeClr>
-                          </a:solidFill>
-                        </a:rPr>
-                        <a:t>50</a:t>
-                      </a:r>
-                      <a:endParaRPr lang="ko-KR" altLang="en-US" sz="1050" b="0" dirty="0">
-                        <a:solidFill>
-                          <a:schemeClr val="tx1">
-                            <a:lumMod val="75000"/>
-                            <a:lumOff val="25000"/>
-                          </a:schemeClr>
-                        </a:solidFill>
-                      </a:endParaRPr>
-                    </a:p>
-                  </a:txBody>
-                  <a:tcPr>
-                    <a:lnL w="12700" cap="flat" cmpd="sng" algn="ctr">
-                      <a:solidFill>
-                        <a:srgbClr val="11A1C4"/>
-                      </a:solidFill>
-                      <a:prstDash val="solid"/>
-                      <a:round/>
-                      <a:headEnd type="none" w="med" len="med"/>
-                      <a:tailEnd type="none" w="med" len="med"/>
-                    </a:lnL>
-                    <a:lnR w="12700" cap="flat" cmpd="sng" algn="ctr">
-                      <a:solidFill>
-                        <a:srgbClr val="11A1C4"/>
-                      </a:solidFill>
-                      <a:prstDash val="solid"/>
-                      <a:round/>
-                      <a:headEnd type="none" w="med" len="med"/>
-                      <a:tailEnd type="none" w="med" len="med"/>
-                    </a:lnR>
-                    <a:lnT w="12700" cmpd="sng">
-                      <a:noFill/>
-                    </a:lnT>
-                    <a:lnB w="38100" cmpd="sng">
-                      <a:noFill/>
-                    </a:lnB>
-                    <a:lnTlToBr w="12700" cmpd="sng">
-                      <a:noFill/>
-                      <a:prstDash val="solid"/>
-                    </a:lnTlToBr>
-                    <a:lnBlToTr w="12700" cmpd="sng">
-                      <a:noFill/>
-                      <a:prstDash val="solid"/>
-                    </a:lnBlToTr>
-                    <a:noFill/>
-                  </a:tcPr>
-                </a:tc>
-                <a:tc>
-                  <a:txBody>
-                    <a:bodyPr/>
-                    <a:lstStyle/>
-                    <a:p>
-                      <a:pPr latinLnBrk="1"/>
-                      <a:r>
-                        <a:rPr lang="en-US" altLang="ko-KR" sz="1050" b="0" dirty="0">
-                          <a:solidFill>
-                            <a:schemeClr val="tx1">
-                              <a:lumMod val="75000"/>
-                              <a:lumOff val="25000"/>
-                            </a:schemeClr>
-                          </a:solidFill>
-                        </a:rPr>
-                        <a:t>60</a:t>
-                      </a:r>
-                      <a:endParaRPr lang="ko-KR" altLang="en-US" sz="1050" b="0" dirty="0">
-                        <a:solidFill>
-                          <a:schemeClr val="tx1">
-                            <a:lumMod val="75000"/>
-                            <a:lumOff val="25000"/>
-                          </a:schemeClr>
-                        </a:solidFill>
-                      </a:endParaRPr>
-                    </a:p>
-                  </a:txBody>
-                  <a:tcPr>
-                    <a:lnL w="12700" cap="flat" cmpd="sng" algn="ctr">
-                      <a:solidFill>
-                        <a:srgbClr val="11A1C4"/>
-                      </a:solidFill>
-                      <a:prstDash val="solid"/>
-                      <a:round/>
-                      <a:headEnd type="none" w="med" len="med"/>
-                      <a:tailEnd type="none" w="med" len="med"/>
-                    </a:lnL>
-                    <a:lnR w="12700" cap="flat" cmpd="sng" algn="ctr">
-                      <a:solidFill>
-                        <a:srgbClr val="11A1C4"/>
-                      </a:solidFill>
-                      <a:prstDash val="solid"/>
-                      <a:round/>
-                      <a:headEnd type="none" w="med" len="med"/>
-                      <a:tailEnd type="none" w="med" len="med"/>
-                    </a:lnR>
-                    <a:lnT w="12700" cmpd="sng">
-                      <a:noFill/>
-                    </a:lnT>
-                    <a:lnB w="38100" cmpd="sng">
-                      <a:noFill/>
-                    </a:lnB>
-                    <a:lnTlToBr w="12700" cmpd="sng">
-                      <a:noFill/>
-                      <a:prstDash val="solid"/>
-                    </a:lnTlToBr>
-                    <a:lnBlToTr w="12700" cmpd="sng">
-                      <a:noFill/>
-                      <a:prstDash val="solid"/>
-                    </a:lnBlToTr>
-                    <a:noFill/>
-                  </a:tcPr>
-                </a:tc>
-                <a:tc>
-                  <a:txBody>
-                    <a:bodyPr/>
-                    <a:lstStyle/>
-                    <a:p>
-                      <a:pPr latinLnBrk="1"/>
-                      <a:r>
-                        <a:rPr lang="en-US" altLang="ko-KR" sz="1050" b="0" dirty="0">
-                          <a:solidFill>
-                            <a:schemeClr val="tx1">
-                              <a:lumMod val="75000"/>
-                              <a:lumOff val="25000"/>
-                            </a:schemeClr>
-                          </a:solidFill>
-                        </a:rPr>
-                        <a:t>70</a:t>
-                      </a:r>
-                      <a:endParaRPr lang="ko-KR" altLang="en-US" sz="1050" b="0" dirty="0">
-                        <a:solidFill>
-                          <a:schemeClr val="tx1">
-                            <a:lumMod val="75000"/>
-                            <a:lumOff val="25000"/>
-                          </a:schemeClr>
-                        </a:solidFill>
-                      </a:endParaRPr>
-                    </a:p>
-                  </a:txBody>
-                  <a:tcPr>
-                    <a:lnL w="12700" cap="flat" cmpd="sng" algn="ctr">
-                      <a:solidFill>
-                        <a:srgbClr val="11A1C4"/>
-                      </a:solidFill>
-                      <a:prstDash val="solid"/>
-                      <a:round/>
-                      <a:headEnd type="none" w="med" len="med"/>
-                      <a:tailEnd type="none" w="med" len="med"/>
-                    </a:lnL>
-                    <a:lnR w="12700" cap="flat" cmpd="sng" algn="ctr">
-                      <a:solidFill>
-                        <a:srgbClr val="11A1C4"/>
-                      </a:solidFill>
-                      <a:prstDash val="solid"/>
-                      <a:round/>
-                      <a:headEnd type="none" w="med" len="med"/>
-                      <a:tailEnd type="none" w="med" len="med"/>
-                    </a:lnR>
-                    <a:lnT w="12700" cmpd="sng">
-                      <a:noFill/>
-                    </a:lnT>
-                    <a:lnB w="38100" cmpd="sng">
-                      <a:noFill/>
-                    </a:lnB>
-                    <a:lnTlToBr w="12700" cmpd="sng">
-                      <a:noFill/>
-                      <a:prstDash val="solid"/>
-                    </a:lnTlToBr>
-                    <a:lnBlToTr w="12700" cmpd="sng">
-                      <a:noFill/>
-                      <a:prstDash val="solid"/>
-                    </a:lnBlToTr>
-                    <a:noFill/>
-                  </a:tcPr>
-                </a:tc>
-                <a:tc>
-                  <a:txBody>
-                    <a:bodyPr/>
-                    <a:lstStyle/>
-                    <a:p>
-                      <a:pPr latinLnBrk="1"/>
-                      <a:r>
-                        <a:rPr lang="en-US" altLang="ko-KR" sz="1050" b="0" dirty="0">
-                          <a:solidFill>
-                            <a:schemeClr val="tx1">
-                              <a:lumMod val="75000"/>
-                              <a:lumOff val="25000"/>
-                            </a:schemeClr>
-                          </a:solidFill>
-                        </a:rPr>
-                        <a:t>80</a:t>
-                      </a:r>
-                      <a:endParaRPr lang="ko-KR" altLang="en-US" sz="1050" b="0" dirty="0">
-                        <a:solidFill>
-                          <a:schemeClr val="tx1">
-                            <a:lumMod val="75000"/>
-                            <a:lumOff val="25000"/>
-                          </a:schemeClr>
-                        </a:solidFill>
-                      </a:endParaRPr>
-                    </a:p>
-                  </a:txBody>
-                  <a:tcPr>
-                    <a:lnL w="12700" cap="flat" cmpd="sng" algn="ctr">
-                      <a:solidFill>
-                        <a:srgbClr val="11A1C4"/>
-                      </a:solidFill>
-                      <a:prstDash val="solid"/>
-                      <a:round/>
-                      <a:headEnd type="none" w="med" len="med"/>
-                      <a:tailEnd type="none" w="med" len="med"/>
-                    </a:lnL>
-                    <a:lnR w="12700" cap="flat" cmpd="sng" algn="ctr">
-                      <a:solidFill>
-                        <a:srgbClr val="11A1C4"/>
-                      </a:solidFill>
-                      <a:prstDash val="solid"/>
-                      <a:round/>
-                      <a:headEnd type="none" w="med" len="med"/>
-                      <a:tailEnd type="none" w="med" len="med"/>
-                    </a:lnR>
-                    <a:lnT w="12700" cmpd="sng">
-                      <a:noFill/>
-                    </a:lnT>
-                    <a:lnB w="38100" cmpd="sng">
-                      <a:noFill/>
-                    </a:lnB>
-                    <a:lnTlToBr w="12700" cmpd="sng">
-                      <a:noFill/>
-                      <a:prstDash val="solid"/>
-                    </a:lnTlToBr>
-                    <a:lnBlToTr w="12700" cmpd="sng">
-                      <a:noFill/>
-                      <a:prstDash val="solid"/>
-                    </a:lnBlToTr>
-                    <a:noFill/>
-                  </a:tcPr>
-                </a:tc>
-                <a:tc>
-                  <a:txBody>
-                    <a:bodyPr/>
-                    <a:lstStyle/>
-                    <a:p>
-                      <a:pPr latinLnBrk="1"/>
-                      <a:r>
-                        <a:rPr lang="en-US" altLang="ko-KR" sz="1050" b="0" dirty="0">
-                          <a:solidFill>
-                            <a:schemeClr val="tx1">
-                              <a:lumMod val="75000"/>
-                              <a:lumOff val="25000"/>
-                            </a:schemeClr>
-                          </a:solidFill>
-                        </a:rPr>
-                        <a:t>90</a:t>
-                      </a:r>
-                      <a:endParaRPr lang="ko-KR" altLang="en-US" sz="1050" b="0" dirty="0">
-                        <a:solidFill>
-                          <a:schemeClr val="tx1">
-                            <a:lumMod val="75000"/>
-                            <a:lumOff val="25000"/>
-                          </a:schemeClr>
-                        </a:solidFill>
-                      </a:endParaRPr>
-                    </a:p>
-                  </a:txBody>
-                  <a:tcPr>
-                    <a:lnL w="12700" cap="flat" cmpd="sng" algn="ctr">
-                      <a:solidFill>
-                        <a:srgbClr val="11A1C4"/>
-                      </a:solidFill>
-                      <a:prstDash val="solid"/>
-                      <a:round/>
-                      <a:headEnd type="none" w="med" len="med"/>
-                      <a:tailEnd type="none" w="med" len="med"/>
-                    </a:lnL>
-                    <a:lnR w="12700" cmpd="sng">
-                      <a:noFill/>
-                    </a:lnR>
-                    <a:lnT w="12700" cmpd="sng">
-                      <a:noFill/>
-                    </a:lnT>
-                    <a:lnB w="38100" cmpd="sng">
-                      <a:noFill/>
-                    </a:lnB>
-                    <a:lnTlToBr w="12700" cmpd="sng">
-                      <a:noFill/>
-                      <a:prstDash val="solid"/>
-                    </a:lnTlToBr>
-                    <a:lnBlToTr w="12700" cmpd="sng">
-                      <a:noFill/>
-                      <a:prstDash val="solid"/>
-                    </a:lnBlToTr>
-                    <a:noFill/>
-                  </a:tcPr>
-                </a:tc>
-                <a:extLst>
-                  <a:ext uri="{0D108BD9-81ED-4DB2-BD59-A6C34878D82A}">
-                    <a16:rowId xmlns:a16="http://schemas.microsoft.com/office/drawing/2014/main" val="10000"/>
-                  </a:ext>
-                </a:extLst>
-              </a:tr>
-            </a:tbl>
-          </a:graphicData>
-        </a:graphic>
-      </p:graphicFrame>
-      <p:sp>
-        <p:nvSpPr>
-          <p:cNvPr id="20" name="직사각형 19">
-            <a:extLst>
-              <a:ext uri="{FF2B5EF4-FFF2-40B4-BE49-F238E27FC236}">
-                <a16:creationId xmlns:a16="http://schemas.microsoft.com/office/drawing/2014/main" id="{75B33EA0-5274-4418-86C3-3F13C5B9BE5E}"/>
-              </a:ext>
-            </a:extLst>
-          </p:cNvPr>
-          <p:cNvSpPr/>
-          <p:nvPr/>
-        </p:nvSpPr>
-        <p:spPr>
-          <a:xfrm>
-            <a:off x="4372764" y="1437249"/>
-            <a:ext cx="1757464" cy="861774"/>
-          </a:xfrm>
-          <a:prstGeom prst="rect">
-            <a:avLst/>
-          </a:prstGeom>
-        </p:spPr>
-        <p:txBody>
-          <a:bodyPr wrap="square">
-            <a:spAutoFit/>
-          </a:bodyPr>
-          <a:lstStyle/>
-          <a:p>
-            <a:pPr>
-              <a:lnSpc>
-                <a:spcPct val="150000"/>
-              </a:lnSpc>
-              <a:defRPr/>
-            </a:pPr>
-            <a:r>
-              <a:rPr lang="en-US" altLang="ko-KR" sz="1200" dirty="0">
-                <a:solidFill>
-                  <a:prstClr val="black">
-                    <a:lumMod val="75000"/>
-                    <a:lumOff val="25000"/>
-                  </a:prstClr>
-                </a:solidFill>
-                <a:cs typeface="Aharoni" panose="02010803020104030203" pitchFamily="2" charset="-79"/>
-              </a:rPr>
-              <a:t>CONTENTS. A </a:t>
-            </a:r>
-            <a:endParaRPr lang="en-US" altLang="ko-KR" sz="1400" dirty="0">
-              <a:solidFill>
-                <a:prstClr val="black">
-                  <a:lumMod val="75000"/>
-                  <a:lumOff val="25000"/>
-                </a:prstClr>
-              </a:solidFill>
-              <a:cs typeface="Aharoni" panose="02010803020104030203" pitchFamily="2" charset="-79"/>
-            </a:endParaRPr>
-          </a:p>
-          <a:p>
-            <a:pPr>
-              <a:defRPr/>
-            </a:pPr>
-            <a:r>
-              <a:rPr lang="en-US" altLang="ko-KR" sz="3200" dirty="0">
-                <a:solidFill>
-                  <a:prstClr val="black">
-                    <a:lumMod val="75000"/>
-                    <a:lumOff val="25000"/>
-                  </a:prstClr>
-                </a:solidFill>
-                <a:cs typeface="Aharoni" panose="02010803020104030203" pitchFamily="2" charset="-79"/>
-              </a:rPr>
-              <a:t>59</a:t>
-            </a:r>
-            <a:r>
-              <a:rPr lang="en-US" altLang="ko-KR" sz="1600" dirty="0">
-                <a:solidFill>
-                  <a:prstClr val="black">
-                    <a:lumMod val="75000"/>
-                    <a:lumOff val="25000"/>
-                  </a:prstClr>
-                </a:solidFill>
-                <a:cs typeface="Aharoni" panose="02010803020104030203" pitchFamily="2" charset="-79"/>
-              </a:rPr>
-              <a:t>%</a:t>
-            </a:r>
-            <a:endParaRPr lang="en-US" altLang="ko-KR" sz="400" b="1" dirty="0">
-              <a:solidFill>
-                <a:prstClr val="black">
-                  <a:lumMod val="75000"/>
-                  <a:lumOff val="25000"/>
-                </a:prstClr>
-              </a:solidFill>
-              <a:cs typeface="Aharoni" panose="02010803020104030203" pitchFamily="2" charset="-79"/>
-            </a:endParaRPr>
-          </a:p>
-        </p:txBody>
-      </p:sp>
-      <p:sp>
-        <p:nvSpPr>
-          <p:cNvPr id="21" name="직사각형 20">
-            <a:extLst>
-              <a:ext uri="{FF2B5EF4-FFF2-40B4-BE49-F238E27FC236}">
-                <a16:creationId xmlns:a16="http://schemas.microsoft.com/office/drawing/2014/main" id="{B1359C1A-1752-409A-B905-A898CEB08566}"/>
-              </a:ext>
-            </a:extLst>
-          </p:cNvPr>
-          <p:cNvSpPr/>
-          <p:nvPr/>
-        </p:nvSpPr>
-        <p:spPr>
-          <a:xfrm>
-            <a:off x="8081163" y="1437249"/>
-            <a:ext cx="1757464" cy="861774"/>
-          </a:xfrm>
-          <a:prstGeom prst="rect">
-            <a:avLst/>
-          </a:prstGeom>
-        </p:spPr>
-        <p:txBody>
-          <a:bodyPr wrap="square">
-            <a:spAutoFit/>
-          </a:bodyPr>
-          <a:lstStyle/>
-          <a:p>
-            <a:pPr>
-              <a:lnSpc>
-                <a:spcPct val="150000"/>
-              </a:lnSpc>
-              <a:defRPr/>
-            </a:pPr>
-            <a:r>
-              <a:rPr lang="en-US" altLang="ko-KR" sz="1200" dirty="0">
-                <a:solidFill>
-                  <a:prstClr val="black">
-                    <a:lumMod val="75000"/>
-                    <a:lumOff val="25000"/>
-                  </a:prstClr>
-                </a:solidFill>
-                <a:cs typeface="Aharoni" panose="02010803020104030203" pitchFamily="2" charset="-79"/>
-              </a:rPr>
-              <a:t>CONTENTS. A </a:t>
-            </a:r>
-            <a:endParaRPr lang="en-US" altLang="ko-KR" sz="1400" dirty="0">
-              <a:solidFill>
-                <a:prstClr val="black">
-                  <a:lumMod val="75000"/>
-                  <a:lumOff val="25000"/>
-                </a:prstClr>
-              </a:solidFill>
-              <a:cs typeface="Aharoni" panose="02010803020104030203" pitchFamily="2" charset="-79"/>
-            </a:endParaRPr>
-          </a:p>
-          <a:p>
-            <a:pPr>
-              <a:defRPr/>
-            </a:pPr>
-            <a:r>
-              <a:rPr lang="en-US" altLang="ko-KR" sz="3200" dirty="0">
-                <a:solidFill>
-                  <a:prstClr val="black">
-                    <a:lumMod val="75000"/>
-                    <a:lumOff val="25000"/>
-                  </a:prstClr>
-                </a:solidFill>
-                <a:cs typeface="Aharoni" panose="02010803020104030203" pitchFamily="2" charset="-79"/>
-              </a:rPr>
-              <a:t>41</a:t>
-            </a:r>
-            <a:r>
-              <a:rPr lang="en-US" altLang="ko-KR" sz="1600" dirty="0">
-                <a:solidFill>
-                  <a:prstClr val="black">
-                    <a:lumMod val="75000"/>
-                    <a:lumOff val="25000"/>
-                  </a:prstClr>
-                </a:solidFill>
-                <a:cs typeface="Aharoni" panose="02010803020104030203" pitchFamily="2" charset="-79"/>
-              </a:rPr>
-              <a:t>%</a:t>
-            </a:r>
-            <a:endParaRPr lang="en-US" altLang="ko-KR" sz="400" b="1" dirty="0">
-              <a:solidFill>
-                <a:prstClr val="black">
-                  <a:lumMod val="75000"/>
-                  <a:lumOff val="25000"/>
-                </a:prstClr>
-              </a:solidFill>
-              <a:cs typeface="Aharoni" panose="02010803020104030203" pitchFamily="2" charset="-79"/>
-            </a:endParaRPr>
-          </a:p>
-        </p:txBody>
-      </p:sp>
-      <p:sp>
-        <p:nvSpPr>
-          <p:cNvPr id="22" name="TextBox 21">
-            <a:extLst>
-              <a:ext uri="{FF2B5EF4-FFF2-40B4-BE49-F238E27FC236}">
-                <a16:creationId xmlns:a16="http://schemas.microsoft.com/office/drawing/2014/main" id="{2CDC731C-A5CA-4200-AACA-B6B254B7A60F}"/>
-              </a:ext>
-            </a:extLst>
-          </p:cNvPr>
-          <p:cNvSpPr txBox="1"/>
-          <p:nvPr/>
-        </p:nvSpPr>
-        <p:spPr>
-          <a:xfrm>
-            <a:off x="2086674" y="4437899"/>
-            <a:ext cx="3236530" cy="900246"/>
-          </a:xfrm>
-          <a:prstGeom prst="rect">
-            <a:avLst/>
-          </a:prstGeom>
-          <a:noFill/>
-        </p:spPr>
-        <p:txBody>
-          <a:bodyPr wrap="square" rtlCol="0">
-            <a:spAutoFit/>
-          </a:bodyPr>
-          <a:lstStyle/>
-          <a:p>
-            <a:pPr>
-              <a:lnSpc>
-                <a:spcPct val="150000"/>
-              </a:lnSpc>
-              <a:defRPr/>
-            </a:pPr>
-            <a:r>
-              <a:rPr lang="en-US" altLang="ko-KR" sz="1400" b="1" dirty="0">
-                <a:solidFill>
-                  <a:prstClr val="black">
-                    <a:lumMod val="75000"/>
-                    <a:lumOff val="25000"/>
-                  </a:prstClr>
-                </a:solidFill>
-              </a:rPr>
-              <a:t>CONTENTS </a:t>
-            </a:r>
-          </a:p>
-          <a:p>
-            <a:pPr>
-              <a:lnSpc>
-                <a:spcPct val="150000"/>
-              </a:lnSpc>
-              <a:defRPr/>
-            </a:pPr>
-            <a:r>
-              <a:rPr lang="en-US" altLang="ko-KR" sz="1050" dirty="0">
-                <a:solidFill>
-                  <a:prstClr val="black">
-                    <a:lumMod val="75000"/>
-                    <a:lumOff val="25000"/>
-                  </a:prstClr>
-                </a:solidFill>
-                <a:cs typeface="Aharoni" panose="02010803020104030203" pitchFamily="2" charset="-79"/>
-              </a:rPr>
-              <a:t>PowerPoint is a computer program created by Microsoft Office</a:t>
-            </a:r>
-          </a:p>
-        </p:txBody>
-      </p:sp>
-      <p:sp>
-        <p:nvSpPr>
-          <p:cNvPr id="23" name="타원 22">
-            <a:extLst>
-              <a:ext uri="{FF2B5EF4-FFF2-40B4-BE49-F238E27FC236}">
-                <a16:creationId xmlns:a16="http://schemas.microsoft.com/office/drawing/2014/main" id="{D4F1981A-9607-431C-B3E5-A35B37527CC1}"/>
-              </a:ext>
-            </a:extLst>
-          </p:cNvPr>
-          <p:cNvSpPr/>
-          <p:nvPr/>
-        </p:nvSpPr>
-        <p:spPr>
-          <a:xfrm>
-            <a:off x="8012350" y="5049947"/>
-            <a:ext cx="252000" cy="252000"/>
-          </a:xfrm>
-          <a:prstGeom prst="ellipse">
-            <a:avLst/>
-          </a:prstGeom>
-          <a:pattFill prst="wdUpDiag">
-            <a:fgClr>
-              <a:srgbClr val="F2FAFC"/>
-            </a:fgClr>
-            <a:bgClr>
-              <a:schemeClr val="bg1"/>
-            </a:bgClr>
-          </a:pattFill>
-          <a:ln>
-            <a:solidFill>
-              <a:srgbClr val="11A1C4"/>
-            </a:solidFill>
-            <a:prstDash val="dash"/>
-          </a:ln>
-        </p:spPr>
-        <p:style>
-          <a:lnRef idx="2">
-            <a:schemeClr val="accent1">
-              <a:shade val="50000"/>
-            </a:schemeClr>
-          </a:lnRef>
-          <a:fillRef idx="1">
-            <a:schemeClr val="accent1"/>
-          </a:fillRef>
-          <a:effectRef idx="0">
-            <a:schemeClr val="accent1"/>
-          </a:effectRef>
-          <a:fontRef idx="minor">
-            <a:schemeClr val="lt1"/>
-          </a:fontRef>
-        </p:style>
-        <p:txBody>
-          <a:bodyPr rtlCol="0" anchor="ctr"/>
-          <a:lstStyle/>
-          <a:p>
-            <a:pPr algn="ctr">
-              <a:defRPr/>
-            </a:pPr>
-            <a:endParaRPr lang="ko-KR" altLang="en-US" sz="1600" dirty="0">
-              <a:solidFill>
-                <a:prstClr val="black">
-                  <a:lumMod val="75000"/>
-                  <a:lumOff val="25000"/>
-                </a:prstClr>
-              </a:solidFill>
-            </a:endParaRPr>
-          </a:p>
-        </p:txBody>
-      </p:sp>
-      <p:sp>
-        <p:nvSpPr>
-          <p:cNvPr id="24" name="타원 23">
-            <a:extLst>
-              <a:ext uri="{FF2B5EF4-FFF2-40B4-BE49-F238E27FC236}">
-                <a16:creationId xmlns:a16="http://schemas.microsoft.com/office/drawing/2014/main" id="{EFDC52FF-1B8A-440D-8EA6-A35FCE5294A0}"/>
-              </a:ext>
-            </a:extLst>
-          </p:cNvPr>
-          <p:cNvSpPr/>
-          <p:nvPr/>
-        </p:nvSpPr>
-        <p:spPr>
-          <a:xfrm>
-            <a:off x="8011359" y="4610847"/>
-            <a:ext cx="252991" cy="250183"/>
-          </a:xfrm>
-          <a:prstGeom prst="ellipse">
-            <a:avLst/>
-          </a:prstGeom>
-          <a:solidFill>
-            <a:srgbClr val="11A1C4"/>
-          </a:solidFill>
-          <a:ln>
-            <a:solidFill>
-              <a:srgbClr val="11A1C4"/>
-            </a:solidFill>
-          </a:ln>
-        </p:spPr>
-        <p:style>
-          <a:lnRef idx="2">
-            <a:schemeClr val="accent1">
-              <a:shade val="50000"/>
-            </a:schemeClr>
-          </a:lnRef>
-          <a:fillRef idx="1">
-            <a:schemeClr val="accent1"/>
-          </a:fillRef>
-          <a:effectRef idx="0">
-            <a:schemeClr val="accent1"/>
-          </a:effectRef>
-          <a:fontRef idx="minor">
-            <a:schemeClr val="lt1"/>
-          </a:fontRef>
-        </p:style>
-        <p:txBody>
-          <a:bodyPr rtlCol="0" anchor="ctr"/>
-          <a:lstStyle/>
-          <a:p>
-            <a:pPr algn="ctr">
-              <a:defRPr/>
-            </a:pPr>
-            <a:endParaRPr lang="ko-KR" altLang="en-US" b="1" dirty="0">
-              <a:solidFill>
-                <a:prstClr val="black">
-                  <a:lumMod val="75000"/>
-                  <a:lumOff val="25000"/>
-                </a:prstClr>
-              </a:solidFill>
-            </a:endParaRPr>
-          </a:p>
-        </p:txBody>
-      </p:sp>
-      <p:sp>
-        <p:nvSpPr>
-          <p:cNvPr id="25" name="직사각형 24">
-            <a:extLst>
-              <a:ext uri="{FF2B5EF4-FFF2-40B4-BE49-F238E27FC236}">
-                <a16:creationId xmlns:a16="http://schemas.microsoft.com/office/drawing/2014/main" id="{2294273C-B085-49B3-B83D-A58DAE627BFA}"/>
-              </a:ext>
-            </a:extLst>
-          </p:cNvPr>
-          <p:cNvSpPr/>
-          <p:nvPr/>
-        </p:nvSpPr>
-        <p:spPr>
-          <a:xfrm>
-            <a:off x="8357074" y="4342091"/>
-            <a:ext cx="1289319" cy="1061829"/>
-          </a:xfrm>
-          <a:prstGeom prst="rect">
-            <a:avLst/>
-          </a:prstGeom>
-        </p:spPr>
-        <p:txBody>
-          <a:bodyPr wrap="square">
-            <a:spAutoFit/>
-          </a:bodyPr>
-          <a:lstStyle/>
-          <a:p>
-            <a:pPr>
-              <a:lnSpc>
-                <a:spcPct val="300000"/>
-              </a:lnSpc>
-              <a:defRPr/>
-            </a:pPr>
-            <a:r>
-              <a:rPr lang="ko-KR" altLang="en-US" sz="1050" dirty="0">
-                <a:solidFill>
-                  <a:prstClr val="black">
-                    <a:lumMod val="75000"/>
-                    <a:lumOff val="25000"/>
-                  </a:prstClr>
-                </a:solidFill>
-              </a:rPr>
-              <a:t>데이터 기준 </a:t>
-            </a:r>
-            <a:r>
-              <a:rPr lang="en-US" altLang="ko-KR" sz="1050" dirty="0">
-                <a:solidFill>
-                  <a:prstClr val="black">
-                    <a:lumMod val="75000"/>
-                    <a:lumOff val="25000"/>
-                  </a:prstClr>
-                </a:solidFill>
-              </a:rPr>
-              <a:t>A</a:t>
-            </a:r>
-          </a:p>
-          <a:p>
-            <a:pPr>
-              <a:lnSpc>
-                <a:spcPct val="300000"/>
-              </a:lnSpc>
-              <a:defRPr/>
-            </a:pPr>
-            <a:r>
-              <a:rPr lang="ko-KR" altLang="en-US" sz="1050" dirty="0">
-                <a:solidFill>
-                  <a:prstClr val="black">
-                    <a:lumMod val="75000"/>
-                    <a:lumOff val="25000"/>
-                  </a:prstClr>
-                </a:solidFill>
-              </a:rPr>
-              <a:t>데이터 기준 </a:t>
-            </a:r>
-            <a:r>
-              <a:rPr lang="en-US" altLang="ko-KR" sz="1050" dirty="0">
-                <a:solidFill>
-                  <a:prstClr val="black">
-                    <a:lumMod val="75000"/>
-                    <a:lumOff val="25000"/>
-                  </a:prstClr>
-                </a:solidFill>
-              </a:rPr>
-              <a:t>B</a:t>
-            </a:r>
-          </a:p>
-        </p:txBody>
-      </p:sp>
     </p:spTree>
     <p:extLst>
       <p:ext uri="{BB962C8B-B14F-4D97-AF65-F5344CB8AC3E}">
         <p14:creationId xmlns:p14="http://schemas.microsoft.com/office/powerpoint/2010/main" val="3759183413"/>
-      </p:ext>
-    </p:extLst>
-  </p:cSld>
-  <p:clrMapOvr>
-    <a:masterClrMapping/>
-  </p:clrMapOvr>
-</p:sld>
-</file>
-
-<file path=ppt/slides/slide3.xml><?xml version="1.0" encoding="utf-8"?>
-<p:sld xmlns:a="http://schemas.openxmlformats.org/drawingml/2006/main" xmlns:r="http://schemas.openxmlformats.org/officeDocument/2006/relationships" xmlns:p="http://schemas.openxmlformats.org/presentationml/2006/main">
-  <p:cSld>
-    <p:spTree>
-      <p:nvGrpSpPr>
-        <p:cNvPr id="1" name=""/>
-        <p:cNvGrpSpPr/>
-        <p:nvPr/>
-      </p:nvGrpSpPr>
-      <p:grpSpPr>
-        <a:xfrm>
-          <a:off x="0" y="0"/>
-          <a:ext cx="0" cy="0"/>
-          <a:chOff x="0" y="0"/>
-          <a:chExt cx="0" cy="0"/>
-        </a:xfrm>
-      </p:grpSpPr>
-      <p:sp>
-        <p:nvSpPr>
-          <p:cNvPr id="4" name="직사각형 3"/>
-          <p:cNvSpPr/>
-          <p:nvPr/>
-        </p:nvSpPr>
-        <p:spPr>
-          <a:xfrm>
-            <a:off x="3988947" y="461016"/>
-            <a:ext cx="4236842" cy="655372"/>
-          </a:xfrm>
-          <a:prstGeom prst="rect">
-            <a:avLst/>
-          </a:prstGeom>
-        </p:spPr>
-        <p:txBody>
-          <a:bodyPr wrap="square">
-            <a:spAutoFit/>
-          </a:bodyPr>
-          <a:lstStyle/>
-          <a:p>
-            <a:pPr algn="ctr">
-              <a:lnSpc>
-                <a:spcPct val="150000"/>
-              </a:lnSpc>
-            </a:pPr>
-            <a:r>
-              <a:rPr lang="ko-KR" altLang="en-US" sz="2800" b="1" dirty="0">
-                <a:solidFill>
-                  <a:prstClr val="black">
-                    <a:lumMod val="75000"/>
-                    <a:lumOff val="25000"/>
-                  </a:prstClr>
-                </a:solidFill>
-              </a:rPr>
-              <a:t>오늘 사용한 색상은</a:t>
-            </a:r>
-            <a:r>
-              <a:rPr lang="en-US" altLang="ko-KR" sz="2800" b="1" dirty="0">
-                <a:solidFill>
-                  <a:prstClr val="black">
-                    <a:lumMod val="75000"/>
-                    <a:lumOff val="25000"/>
-                  </a:prstClr>
-                </a:solidFill>
-              </a:rPr>
-              <a:t>?</a:t>
-            </a:r>
-            <a:endParaRPr lang="ko-KR" altLang="en-US" sz="2000" dirty="0">
-              <a:solidFill>
-                <a:prstClr val="black">
-                  <a:lumMod val="75000"/>
-                  <a:lumOff val="25000"/>
-                </a:prstClr>
-              </a:solidFill>
-            </a:endParaRPr>
-          </a:p>
-        </p:txBody>
-      </p:sp>
-      <p:sp>
-        <p:nvSpPr>
-          <p:cNvPr id="5" name="직사각형 4"/>
-          <p:cNvSpPr/>
-          <p:nvPr/>
-        </p:nvSpPr>
-        <p:spPr>
-          <a:xfrm>
-            <a:off x="2456131" y="5524135"/>
-            <a:ext cx="7302474" cy="738664"/>
-          </a:xfrm>
-          <a:prstGeom prst="rect">
-            <a:avLst/>
-          </a:prstGeom>
-        </p:spPr>
-        <p:txBody>
-          <a:bodyPr wrap="square">
-            <a:spAutoFit/>
-          </a:bodyPr>
-          <a:lstStyle/>
-          <a:p>
-            <a:pPr algn="ctr">
-              <a:lnSpc>
-                <a:spcPct val="150000"/>
-              </a:lnSpc>
-            </a:pPr>
-            <a:r>
-              <a:rPr lang="en-US" altLang="ko-KR" sz="1400" dirty="0">
-                <a:solidFill>
-                  <a:prstClr val="black">
-                    <a:lumMod val="75000"/>
-                    <a:lumOff val="25000"/>
-                  </a:prstClr>
-                </a:solidFill>
-              </a:rPr>
-              <a:t>2013 </a:t>
-            </a:r>
-            <a:r>
-              <a:rPr lang="ko-KR" altLang="en-US" sz="1400" dirty="0">
-                <a:solidFill>
-                  <a:prstClr val="black">
-                    <a:lumMod val="75000"/>
-                    <a:lumOff val="25000"/>
-                  </a:prstClr>
-                </a:solidFill>
-              </a:rPr>
-              <a:t>버전 이상 사용자께서는 스포이트 기능을 이용하시면 </a:t>
-            </a:r>
-            <a:r>
-              <a:rPr lang="ko-KR" altLang="en-US" sz="1400" dirty="0" err="1">
-                <a:solidFill>
-                  <a:prstClr val="black">
-                    <a:lumMod val="75000"/>
-                    <a:lumOff val="25000"/>
-                  </a:prstClr>
-                </a:solidFill>
-              </a:rPr>
-              <a:t>편하구요</a:t>
-            </a:r>
-            <a:r>
-              <a:rPr lang="en-US" altLang="ko-KR" sz="1400" dirty="0">
-                <a:solidFill>
-                  <a:prstClr val="black">
-                    <a:lumMod val="75000"/>
-                    <a:lumOff val="25000"/>
-                  </a:prstClr>
-                </a:solidFill>
-              </a:rPr>
-              <a:t>.</a:t>
-            </a:r>
-          </a:p>
-          <a:p>
-            <a:pPr algn="ctr">
-              <a:lnSpc>
-                <a:spcPct val="150000"/>
-              </a:lnSpc>
-            </a:pPr>
-            <a:r>
-              <a:rPr lang="en-US" altLang="ko-KR" sz="1400" dirty="0">
-                <a:solidFill>
-                  <a:prstClr val="black">
-                    <a:lumMod val="75000"/>
-                    <a:lumOff val="25000"/>
-                  </a:prstClr>
-                </a:solidFill>
-              </a:rPr>
-              <a:t>2010 </a:t>
-            </a:r>
-            <a:r>
-              <a:rPr lang="ko-KR" altLang="en-US" sz="1400" dirty="0">
-                <a:solidFill>
-                  <a:prstClr val="black">
-                    <a:lumMod val="75000"/>
-                    <a:lumOff val="25000"/>
-                  </a:prstClr>
-                </a:solidFill>
-              </a:rPr>
-              <a:t>이하 버전 사용자 께서는 다른 채우기 색 </a:t>
-            </a:r>
-            <a:r>
-              <a:rPr lang="en-US" altLang="ko-KR" sz="1400" dirty="0">
-                <a:solidFill>
-                  <a:prstClr val="black">
-                    <a:lumMod val="75000"/>
-                    <a:lumOff val="25000"/>
-                  </a:prstClr>
-                </a:solidFill>
-              </a:rPr>
-              <a:t>&gt;</a:t>
-            </a:r>
-            <a:r>
-              <a:rPr lang="ko-KR" altLang="en-US" sz="1400" dirty="0">
-                <a:solidFill>
-                  <a:prstClr val="black">
-                    <a:lumMod val="75000"/>
-                    <a:lumOff val="25000"/>
-                  </a:prstClr>
-                </a:solidFill>
-              </a:rPr>
-              <a:t> 사용자 지정 탭 </a:t>
-            </a:r>
-            <a:r>
-              <a:rPr lang="en-US" altLang="ko-KR" sz="1400" dirty="0">
-                <a:solidFill>
-                  <a:prstClr val="black">
-                    <a:lumMod val="75000"/>
-                    <a:lumOff val="25000"/>
-                  </a:prstClr>
-                </a:solidFill>
-              </a:rPr>
-              <a:t>&gt; RGB </a:t>
-            </a:r>
-            <a:r>
-              <a:rPr lang="ko-KR" altLang="en-US" sz="1400" dirty="0">
-                <a:solidFill>
-                  <a:prstClr val="black">
-                    <a:lumMod val="75000"/>
-                    <a:lumOff val="25000"/>
-                  </a:prstClr>
-                </a:solidFill>
-              </a:rPr>
-              <a:t>색상 값 입력</a:t>
-            </a:r>
-            <a:endParaRPr lang="en-US" altLang="ko-KR" sz="1400" dirty="0">
-              <a:solidFill>
-                <a:prstClr val="black">
-                  <a:lumMod val="75000"/>
-                  <a:lumOff val="25000"/>
-                </a:prstClr>
-              </a:solidFill>
-            </a:endParaRPr>
-          </a:p>
-        </p:txBody>
-      </p:sp>
-      <p:sp>
-        <p:nvSpPr>
-          <p:cNvPr id="6" name="타원 5"/>
-          <p:cNvSpPr/>
-          <p:nvPr/>
-        </p:nvSpPr>
-        <p:spPr>
-          <a:xfrm>
-            <a:off x="3466170" y="2075047"/>
-            <a:ext cx="2490428" cy="2490428"/>
-          </a:xfrm>
-          <a:prstGeom prst="ellipse">
-            <a:avLst/>
-          </a:prstGeom>
-          <a:solidFill>
-            <a:srgbClr val="11A1C4"/>
-          </a:solidFill>
-          <a:ln>
-            <a:noFill/>
-          </a:ln>
-        </p:spPr>
-        <p:style>
-          <a:lnRef idx="2">
-            <a:schemeClr val="accent1">
-              <a:shade val="50000"/>
-            </a:schemeClr>
-          </a:lnRef>
-          <a:fillRef idx="1">
-            <a:schemeClr val="accent1"/>
-          </a:fillRef>
-          <a:effectRef idx="0">
-            <a:schemeClr val="accent1"/>
-          </a:effectRef>
-          <a:fontRef idx="minor">
-            <a:schemeClr val="lt1"/>
-          </a:fontRef>
-        </p:style>
-        <p:txBody>
-          <a:bodyPr rtlCol="0" anchor="ctr"/>
-          <a:lstStyle/>
-          <a:p>
-            <a:pPr algn="ctr">
-              <a:lnSpc>
-                <a:spcPct val="150000"/>
-              </a:lnSpc>
-            </a:pPr>
-            <a:r>
-              <a:rPr lang="en-US" altLang="ko-KR" sz="2800" b="1" dirty="0">
-                <a:ln w="3175">
-                  <a:noFill/>
-                </a:ln>
-                <a:solidFill>
-                  <a:prstClr val="white"/>
-                </a:solidFill>
-              </a:rPr>
-              <a:t>R 17</a:t>
-            </a:r>
-          </a:p>
-          <a:p>
-            <a:pPr algn="ctr">
-              <a:lnSpc>
-                <a:spcPct val="150000"/>
-              </a:lnSpc>
-            </a:pPr>
-            <a:r>
-              <a:rPr lang="en-US" altLang="ko-KR" sz="2800" b="1" dirty="0">
-                <a:ln w="3175">
-                  <a:noFill/>
-                </a:ln>
-                <a:solidFill>
-                  <a:prstClr val="white"/>
-                </a:solidFill>
-              </a:rPr>
-              <a:t>G 161</a:t>
-            </a:r>
-          </a:p>
-          <a:p>
-            <a:pPr algn="ctr">
-              <a:lnSpc>
-                <a:spcPct val="150000"/>
-              </a:lnSpc>
-            </a:pPr>
-            <a:r>
-              <a:rPr lang="en-US" altLang="ko-KR" sz="2800" b="1" dirty="0">
-                <a:ln w="3175">
-                  <a:noFill/>
-                </a:ln>
-                <a:solidFill>
-                  <a:prstClr val="white"/>
-                </a:solidFill>
-              </a:rPr>
-              <a:t>B 196</a:t>
-            </a:r>
-          </a:p>
-        </p:txBody>
-      </p:sp>
-      <p:sp>
-        <p:nvSpPr>
-          <p:cNvPr id="8" name="타원 7"/>
-          <p:cNvSpPr/>
-          <p:nvPr/>
-        </p:nvSpPr>
-        <p:spPr>
-          <a:xfrm>
-            <a:off x="6508074" y="2075047"/>
-            <a:ext cx="2490428" cy="2490428"/>
-          </a:xfrm>
-          <a:prstGeom prst="ellipse">
-            <a:avLst/>
-          </a:prstGeom>
-          <a:solidFill>
-            <a:srgbClr val="F2FAFC"/>
-          </a:solidFill>
-          <a:ln>
-            <a:noFill/>
-          </a:ln>
-        </p:spPr>
-        <p:style>
-          <a:lnRef idx="2">
-            <a:schemeClr val="accent1">
-              <a:shade val="50000"/>
-            </a:schemeClr>
-          </a:lnRef>
-          <a:fillRef idx="1">
-            <a:schemeClr val="accent1"/>
-          </a:fillRef>
-          <a:effectRef idx="0">
-            <a:schemeClr val="accent1"/>
-          </a:effectRef>
-          <a:fontRef idx="minor">
-            <a:schemeClr val="lt1"/>
-          </a:fontRef>
-        </p:style>
-        <p:txBody>
-          <a:bodyPr rtlCol="0" anchor="ctr"/>
-          <a:lstStyle/>
-          <a:p>
-            <a:pPr algn="ctr">
-              <a:lnSpc>
-                <a:spcPct val="150000"/>
-              </a:lnSpc>
-            </a:pPr>
-            <a:r>
-              <a:rPr lang="en-US" altLang="ko-KR" sz="2800" b="1" dirty="0">
-                <a:ln w="3175">
-                  <a:noFill/>
-                </a:ln>
-                <a:solidFill>
-                  <a:schemeClr val="tx1">
-                    <a:lumMod val="75000"/>
-                    <a:lumOff val="25000"/>
-                  </a:schemeClr>
-                </a:solidFill>
-              </a:rPr>
-              <a:t>R 242</a:t>
-            </a:r>
-          </a:p>
-          <a:p>
-            <a:pPr algn="ctr">
-              <a:lnSpc>
-                <a:spcPct val="150000"/>
-              </a:lnSpc>
-            </a:pPr>
-            <a:r>
-              <a:rPr lang="en-US" altLang="ko-KR" sz="2800" b="1" dirty="0">
-                <a:ln w="3175">
-                  <a:noFill/>
-                </a:ln>
-                <a:solidFill>
-                  <a:schemeClr val="tx1">
-                    <a:lumMod val="75000"/>
-                    <a:lumOff val="25000"/>
-                  </a:schemeClr>
-                </a:solidFill>
-              </a:rPr>
-              <a:t>G 250</a:t>
-            </a:r>
-          </a:p>
-          <a:p>
-            <a:pPr algn="ctr">
-              <a:lnSpc>
-                <a:spcPct val="150000"/>
-              </a:lnSpc>
-            </a:pPr>
-            <a:r>
-              <a:rPr lang="en-US" altLang="ko-KR" sz="2800" b="1" dirty="0">
-                <a:ln w="3175">
-                  <a:noFill/>
-                </a:ln>
-                <a:solidFill>
-                  <a:schemeClr val="tx1">
-                    <a:lumMod val="75000"/>
-                    <a:lumOff val="25000"/>
-                  </a:schemeClr>
-                </a:solidFill>
-              </a:rPr>
-              <a:t>B 252</a:t>
-            </a:r>
-          </a:p>
-        </p:txBody>
-      </p:sp>
-    </p:spTree>
-    <p:extLst>
-      <p:ext uri="{BB962C8B-B14F-4D97-AF65-F5344CB8AC3E}">
-        <p14:creationId xmlns:p14="http://schemas.microsoft.com/office/powerpoint/2010/main" val="1634303957"/>
-      </p:ext>
-    </p:extLst>
-  </p:cSld>
-  <p:clrMapOvr>
-    <a:masterClrMapping/>
-  </p:clrMapOvr>
-</p:sld>
-</file>
-
-<file path=ppt/slides/slide4.xml><?xml version="1.0" encoding="utf-8"?>
-<p:sld xmlns:a="http://schemas.openxmlformats.org/drawingml/2006/main" xmlns:r="http://schemas.openxmlformats.org/officeDocument/2006/relationships" xmlns:p="http://schemas.openxmlformats.org/presentationml/2006/main">
-  <p:cSld>
-    <p:spTree>
-      <p:nvGrpSpPr>
-        <p:cNvPr id="1" name=""/>
-        <p:cNvGrpSpPr/>
-        <p:nvPr/>
-      </p:nvGrpSpPr>
-      <p:grpSpPr>
-        <a:xfrm>
-          <a:off x="0" y="0"/>
-          <a:ext cx="0" cy="0"/>
-          <a:chOff x="0" y="0"/>
-          <a:chExt cx="0" cy="0"/>
-        </a:xfrm>
-      </p:grpSpPr>
-      <p:sp>
-        <p:nvSpPr>
-          <p:cNvPr id="4" name="TextBox 3"/>
-          <p:cNvSpPr txBox="1"/>
-          <p:nvPr/>
-        </p:nvSpPr>
-        <p:spPr>
-          <a:xfrm>
-            <a:off x="254000" y="342900"/>
-            <a:ext cx="11811000" cy="6278642"/>
-          </a:xfrm>
-          <a:prstGeom prst="rect">
-            <a:avLst/>
-          </a:prstGeom>
-          <a:noFill/>
-        </p:spPr>
-        <p:txBody>
-          <a:bodyPr wrap="square" rtlCol="0">
-            <a:spAutoFit/>
-          </a:bodyPr>
-          <a:lstStyle/>
-          <a:p>
-            <a:r>
-              <a:rPr lang="ko-KR" altLang="en-US" sz="2400" b="1" dirty="0">
-                <a:solidFill>
-                  <a:srgbClr val="FF0000"/>
-                </a:solidFill>
-              </a:rPr>
-              <a:t>최근 저의 자료를 카페 등에 무단으로 </a:t>
-            </a:r>
-            <a:r>
-              <a:rPr lang="ko-KR" altLang="en-US" sz="2400" b="1" dirty="0" err="1">
-                <a:solidFill>
-                  <a:srgbClr val="FF0000"/>
-                </a:solidFill>
-              </a:rPr>
-              <a:t>재배포</a:t>
-            </a:r>
-            <a:r>
-              <a:rPr lang="ko-KR" altLang="en-US" sz="2400" b="1" dirty="0">
-                <a:solidFill>
-                  <a:srgbClr val="FF0000"/>
-                </a:solidFill>
-              </a:rPr>
-              <a:t> 하는 일이 자주 발생하고 있습니다</a:t>
-            </a:r>
-            <a:r>
-              <a:rPr lang="en-US" altLang="ko-KR" sz="2400" b="1" dirty="0">
-                <a:solidFill>
-                  <a:srgbClr val="FF0000"/>
-                </a:solidFill>
-              </a:rPr>
-              <a:t>.</a:t>
-            </a:r>
-          </a:p>
-          <a:p>
-            <a:endParaRPr lang="en-US" altLang="ko-KR" dirty="0">
-              <a:solidFill>
-                <a:prstClr val="black"/>
-              </a:solidFill>
-            </a:endParaRPr>
-          </a:p>
-          <a:p>
-            <a:r>
-              <a:rPr lang="ko-KR" altLang="en-US" dirty="0">
-                <a:solidFill>
-                  <a:prstClr val="black"/>
-                </a:solidFill>
-              </a:rPr>
-              <a:t>이에 대해 굉장히 심각한 문제로 받아 들이고 있으며</a:t>
-            </a:r>
-            <a:r>
-              <a:rPr lang="en-US" altLang="ko-KR" dirty="0">
-                <a:solidFill>
-                  <a:prstClr val="black"/>
-                </a:solidFill>
-              </a:rPr>
-              <a:t>,</a:t>
-            </a:r>
-          </a:p>
-          <a:p>
-            <a:endParaRPr lang="en-US" altLang="ko-KR" dirty="0">
-              <a:solidFill>
-                <a:prstClr val="black"/>
-              </a:solidFill>
-            </a:endParaRPr>
-          </a:p>
-          <a:p>
-            <a:r>
-              <a:rPr lang="ko-KR" altLang="en-US" dirty="0">
-                <a:solidFill>
-                  <a:prstClr val="black"/>
-                </a:solidFill>
-              </a:rPr>
-              <a:t>해당 문제가 반복될 경우</a:t>
-            </a:r>
-            <a:r>
-              <a:rPr lang="en-US" altLang="ko-KR" dirty="0">
-                <a:solidFill>
-                  <a:prstClr val="black"/>
-                </a:solidFill>
-              </a:rPr>
-              <a:t>, </a:t>
-            </a:r>
-            <a:r>
-              <a:rPr lang="ko-KR" altLang="en-US" dirty="0" err="1">
-                <a:solidFill>
-                  <a:prstClr val="black"/>
-                </a:solidFill>
-              </a:rPr>
-              <a:t>재배포한</a:t>
-            </a:r>
-            <a:r>
-              <a:rPr lang="ko-KR" altLang="en-US" dirty="0">
-                <a:solidFill>
-                  <a:prstClr val="black"/>
-                </a:solidFill>
-              </a:rPr>
-              <a:t> 자에 대해서는 그에 대한 책임을 반드시 물을 것입니다</a:t>
-            </a:r>
-            <a:r>
-              <a:rPr lang="en-US" altLang="ko-KR" dirty="0">
-                <a:solidFill>
-                  <a:prstClr val="black"/>
-                </a:solidFill>
-              </a:rPr>
-              <a:t>.</a:t>
-            </a:r>
-          </a:p>
-          <a:p>
-            <a:endParaRPr lang="en-US" altLang="ko-KR" dirty="0">
-              <a:solidFill>
-                <a:prstClr val="black"/>
-              </a:solidFill>
-            </a:endParaRPr>
-          </a:p>
-          <a:p>
-            <a:endParaRPr lang="en-US" altLang="ko-KR" dirty="0">
-              <a:solidFill>
-                <a:prstClr val="black"/>
-              </a:solidFill>
-            </a:endParaRPr>
-          </a:p>
-          <a:p>
-            <a:r>
-              <a:rPr lang="ko-KR" altLang="en-US" dirty="0">
-                <a:solidFill>
-                  <a:prstClr val="black"/>
-                </a:solidFill>
-              </a:rPr>
-              <a:t>저작권을 존중하지 않는 극히 소수의 사용자로 인해 다수가 피해를 보지 않도록 주의해 주시면 감사하겠으며</a:t>
-            </a:r>
-            <a:endParaRPr lang="en-US" altLang="ko-KR" dirty="0">
-              <a:solidFill>
-                <a:prstClr val="black"/>
-              </a:solidFill>
-            </a:endParaRPr>
-          </a:p>
-          <a:p>
-            <a:endParaRPr lang="en-US" altLang="ko-KR" dirty="0">
-              <a:solidFill>
-                <a:prstClr val="black"/>
-              </a:solidFill>
-            </a:endParaRPr>
-          </a:p>
-          <a:p>
-            <a:r>
-              <a:rPr lang="ko-KR" altLang="en-US" dirty="0">
-                <a:solidFill>
-                  <a:prstClr val="black"/>
-                </a:solidFill>
-              </a:rPr>
-              <a:t>제 자료가 업로드 된 곳이 있다면 저에게 알려주시면 감사하겠습니다</a:t>
-            </a:r>
-            <a:r>
-              <a:rPr lang="en-US" altLang="ko-KR" dirty="0">
-                <a:solidFill>
-                  <a:prstClr val="black"/>
-                </a:solidFill>
-              </a:rPr>
-              <a:t>.</a:t>
-            </a:r>
-          </a:p>
-          <a:p>
-            <a:endParaRPr lang="en-US" altLang="ko-KR" dirty="0">
-              <a:solidFill>
-                <a:prstClr val="black"/>
-              </a:solidFill>
-            </a:endParaRPr>
-          </a:p>
-          <a:p>
-            <a:endParaRPr lang="en-US" altLang="ko-KR" dirty="0">
-              <a:solidFill>
-                <a:prstClr val="black"/>
-              </a:solidFill>
-            </a:endParaRPr>
-          </a:p>
-          <a:p>
-            <a:r>
-              <a:rPr lang="ko-KR" altLang="en-US" dirty="0">
-                <a:solidFill>
-                  <a:prstClr val="black"/>
-                </a:solidFill>
-              </a:rPr>
-              <a:t>제 자료를 소개하고자 할 경우에는</a:t>
-            </a:r>
-            <a:endParaRPr lang="en-US" altLang="ko-KR" dirty="0">
-              <a:solidFill>
-                <a:prstClr val="black"/>
-              </a:solidFill>
-            </a:endParaRPr>
-          </a:p>
-          <a:p>
-            <a:endParaRPr lang="en-US" altLang="ko-KR" dirty="0">
-              <a:solidFill>
-                <a:prstClr val="black"/>
-              </a:solidFill>
-            </a:endParaRPr>
-          </a:p>
-          <a:p>
-            <a:r>
-              <a:rPr lang="en-US" altLang="ko-KR" dirty="0" err="1">
-                <a:solidFill>
-                  <a:prstClr val="black"/>
-                </a:solidFill>
-              </a:rPr>
-              <a:t>pptbizcam</a:t>
-            </a:r>
-            <a:r>
-              <a:rPr lang="en-US" altLang="ko-KR" dirty="0">
-                <a:solidFill>
-                  <a:prstClr val="black"/>
-                </a:solidFill>
-              </a:rPr>
-              <a:t> </a:t>
-            </a:r>
-            <a:r>
-              <a:rPr lang="ko-KR" altLang="en-US" dirty="0">
-                <a:solidFill>
-                  <a:prstClr val="black"/>
-                </a:solidFill>
-              </a:rPr>
-              <a:t>사이트로의 링크 처리로만 가능하며 </a:t>
-            </a:r>
-            <a:endParaRPr lang="en-US" altLang="ko-KR" dirty="0">
-              <a:solidFill>
-                <a:prstClr val="black"/>
-              </a:solidFill>
-            </a:endParaRPr>
-          </a:p>
-          <a:p>
-            <a:endParaRPr lang="en-US" altLang="ko-KR" dirty="0">
-              <a:solidFill>
-                <a:prstClr val="black"/>
-              </a:solidFill>
-            </a:endParaRPr>
-          </a:p>
-          <a:p>
-            <a:r>
-              <a:rPr lang="ko-KR" altLang="en-US" dirty="0">
-                <a:solidFill>
-                  <a:prstClr val="black"/>
-                </a:solidFill>
-              </a:rPr>
-              <a:t>파일 자체를 업로드 하는 것은 불가한 점 유의해 주시면 감사하겠습니다</a:t>
-            </a:r>
-            <a:r>
-              <a:rPr lang="en-US" altLang="ko-KR" dirty="0">
-                <a:solidFill>
-                  <a:prstClr val="black"/>
-                </a:solidFill>
-              </a:rPr>
-              <a:t>.</a:t>
-            </a:r>
-          </a:p>
-          <a:p>
-            <a:endParaRPr lang="en-US" altLang="ko-KR" dirty="0">
-              <a:solidFill>
-                <a:prstClr val="black"/>
-              </a:solidFill>
-            </a:endParaRPr>
-          </a:p>
-          <a:p>
-            <a:r>
-              <a:rPr lang="ko-KR" altLang="en-US" sz="2400" b="1" dirty="0">
-                <a:solidFill>
-                  <a:srgbClr val="FF0000"/>
-                </a:solidFill>
-              </a:rPr>
-              <a:t>홍보</a:t>
-            </a:r>
-            <a:r>
-              <a:rPr lang="en-US" altLang="ko-KR" sz="2400" b="1" dirty="0">
-                <a:solidFill>
-                  <a:srgbClr val="FF0000"/>
-                </a:solidFill>
-              </a:rPr>
-              <a:t>, </a:t>
-            </a:r>
-            <a:r>
-              <a:rPr lang="ko-KR" altLang="en-US" sz="2400" b="1" dirty="0">
-                <a:solidFill>
-                  <a:srgbClr val="FF0000"/>
-                </a:solidFill>
-              </a:rPr>
-              <a:t>경제적 이익을 취하는 행위 또한 불가합니다</a:t>
-            </a:r>
-            <a:r>
-              <a:rPr lang="en-US" altLang="ko-KR" sz="2400" b="1" dirty="0">
-                <a:solidFill>
-                  <a:srgbClr val="FF0000"/>
-                </a:solidFill>
-              </a:rPr>
-              <a:t>.</a:t>
-            </a:r>
-          </a:p>
-          <a:p>
-            <a:endParaRPr lang="en-US" altLang="ko-KR" sz="2400" b="1" dirty="0">
-              <a:solidFill>
-                <a:srgbClr val="FF0000"/>
-              </a:solidFill>
-            </a:endParaRPr>
-          </a:p>
-          <a:p>
-            <a:r>
-              <a:rPr lang="en-US" altLang="ko-KR" sz="2000" b="1" dirty="0">
-                <a:solidFill>
-                  <a:srgbClr val="4472C4">
-                    <a:lumMod val="75000"/>
-                  </a:srgbClr>
-                </a:solidFill>
-              </a:rPr>
-              <a:t>※</a:t>
-            </a:r>
-            <a:r>
-              <a:rPr lang="ko-KR" altLang="en-US" sz="2000" b="1" dirty="0">
-                <a:solidFill>
-                  <a:srgbClr val="4472C4">
-                    <a:lumMod val="75000"/>
-                  </a:srgbClr>
-                </a:solidFill>
-              </a:rPr>
-              <a:t>기타 활용 가능 범위는 공유 사이트 </a:t>
-            </a:r>
-            <a:r>
-              <a:rPr lang="en-US" altLang="ko-KR" sz="2000" b="1" dirty="0">
-                <a:solidFill>
-                  <a:srgbClr val="4472C4">
-                    <a:lumMod val="75000"/>
-                  </a:srgbClr>
-                </a:solidFill>
-              </a:rPr>
-              <a:t>-&gt; </a:t>
-            </a:r>
-            <a:r>
-              <a:rPr lang="ko-KR" altLang="en-US" sz="2000" b="1" dirty="0" err="1">
-                <a:solidFill>
-                  <a:srgbClr val="4472C4">
-                    <a:lumMod val="75000"/>
-                  </a:srgbClr>
-                </a:solidFill>
-              </a:rPr>
-              <a:t>수다방</a:t>
-            </a:r>
-            <a:r>
-              <a:rPr lang="ko-KR" altLang="en-US" sz="2000" b="1" dirty="0">
-                <a:solidFill>
-                  <a:srgbClr val="4472C4">
-                    <a:lumMod val="75000"/>
-                  </a:srgbClr>
-                </a:solidFill>
-              </a:rPr>
-              <a:t> 게시판 공지사항 참고</a:t>
-            </a:r>
-            <a:endParaRPr lang="en-US" altLang="ko-KR" sz="2000" b="1" dirty="0">
-              <a:solidFill>
-                <a:srgbClr val="4472C4">
-                  <a:lumMod val="75000"/>
-                </a:srgbClr>
-              </a:solidFill>
-            </a:endParaRPr>
-          </a:p>
-        </p:txBody>
-      </p:sp>
-    </p:spTree>
-    <p:extLst>
-      <p:ext uri="{BB962C8B-B14F-4D97-AF65-F5344CB8AC3E}">
-        <p14:creationId xmlns:p14="http://schemas.microsoft.com/office/powerpoint/2010/main" val="1539662195"/>
-      </p:ext>
-    </p:extLst>
-  </p:cSld>
-  <p:clrMapOvr>
-    <a:masterClrMapping/>
-  </p:clrMapOvr>
-</p:sld>
-</file>
-
-<file path=ppt/slides/slide5.xml><?xml version="1.0" encoding="utf-8"?>
-<p:sld xmlns:a="http://schemas.openxmlformats.org/drawingml/2006/main" xmlns:r="http://schemas.openxmlformats.org/officeDocument/2006/relationships" xmlns:p="http://schemas.openxmlformats.org/presentationml/2006/main">
-  <p:cSld>
-    <p:spTree>
-      <p:nvGrpSpPr>
-        <p:cNvPr id="1" name=""/>
-        <p:cNvGrpSpPr/>
-        <p:nvPr/>
-      </p:nvGrpSpPr>
-      <p:grpSpPr>
-        <a:xfrm>
-          <a:off x="0" y="0"/>
-          <a:ext cx="0" cy="0"/>
-          <a:chOff x="0" y="0"/>
-          <a:chExt cx="0" cy="0"/>
-        </a:xfrm>
-      </p:grpSpPr>
-      <p:sp>
-        <p:nvSpPr>
-          <p:cNvPr id="4" name="TextBox 3"/>
-          <p:cNvSpPr txBox="1"/>
-          <p:nvPr/>
-        </p:nvSpPr>
-        <p:spPr>
-          <a:xfrm>
-            <a:off x="194623" y="307273"/>
-            <a:ext cx="11811000" cy="6093976"/>
-          </a:xfrm>
-          <a:prstGeom prst="rect">
-            <a:avLst/>
-          </a:prstGeom>
-          <a:noFill/>
-        </p:spPr>
-        <p:txBody>
-          <a:bodyPr wrap="square" rtlCol="0">
-            <a:spAutoFit/>
-          </a:bodyPr>
-          <a:lstStyle/>
-          <a:p>
-            <a:pPr fontAlgn="base"/>
-            <a:r>
-              <a:rPr lang="ko-KR" altLang="en-US" sz="2400" b="1" dirty="0">
-                <a:solidFill>
-                  <a:srgbClr val="666666"/>
-                </a:solidFill>
-              </a:rPr>
-              <a:t>■까칠한 </a:t>
-            </a:r>
-            <a:r>
-              <a:rPr lang="ko-KR" altLang="en-US" sz="2400" b="1" dirty="0" err="1">
-                <a:solidFill>
-                  <a:srgbClr val="666666"/>
-                </a:solidFill>
-              </a:rPr>
-              <a:t>조땡의</a:t>
-            </a:r>
-            <a:r>
-              <a:rPr lang="ko-KR" altLang="en-US" sz="2400" b="1" dirty="0">
-                <a:solidFill>
-                  <a:srgbClr val="666666"/>
-                </a:solidFill>
-              </a:rPr>
-              <a:t> </a:t>
-            </a:r>
-            <a:r>
-              <a:rPr lang="ko-KR" altLang="en-US" sz="2400" b="1" dirty="0" err="1">
-                <a:solidFill>
-                  <a:srgbClr val="666666"/>
-                </a:solidFill>
-              </a:rPr>
-              <a:t>네이버</a:t>
-            </a:r>
-            <a:r>
-              <a:rPr lang="ko-KR" altLang="en-US" sz="2400" b="1" dirty="0">
-                <a:solidFill>
-                  <a:srgbClr val="666666"/>
-                </a:solidFill>
-              </a:rPr>
-              <a:t> </a:t>
-            </a:r>
-            <a:r>
-              <a:rPr lang="ko-KR" altLang="en-US" sz="2400" b="1" dirty="0" err="1">
-                <a:solidFill>
-                  <a:srgbClr val="666666"/>
-                </a:solidFill>
-              </a:rPr>
-              <a:t>인플루언서</a:t>
-            </a:r>
-            <a:r>
-              <a:rPr lang="ko-KR" altLang="en-US" sz="2400" b="1" dirty="0">
-                <a:solidFill>
-                  <a:srgbClr val="666666"/>
-                </a:solidFill>
-              </a:rPr>
-              <a:t> 팬이 되어주세요</a:t>
-            </a:r>
-            <a:endParaRPr lang="en-US" altLang="ko-KR" sz="2400" b="1" dirty="0">
-              <a:solidFill>
-                <a:srgbClr val="666666"/>
-              </a:solidFill>
-            </a:endParaRPr>
-          </a:p>
-          <a:p>
-            <a:pPr fontAlgn="base"/>
-            <a:endParaRPr lang="en-US" altLang="ko-KR" dirty="0">
-              <a:solidFill>
-                <a:srgbClr val="666666"/>
-              </a:solidFill>
-            </a:endParaRPr>
-          </a:p>
-          <a:p>
-            <a:pPr fontAlgn="base"/>
-            <a:r>
-              <a:rPr lang="ko-KR" altLang="en-US" sz="1600" dirty="0">
-                <a:solidFill>
-                  <a:srgbClr val="666666"/>
-                </a:solidFill>
-              </a:rPr>
-              <a:t>여러분들과 </a:t>
-            </a:r>
-            <a:r>
-              <a:rPr lang="en-US" altLang="ko-KR" sz="1600" dirty="0">
-                <a:solidFill>
-                  <a:srgbClr val="666666"/>
-                </a:solidFill>
-              </a:rPr>
-              <a:t>PPT</a:t>
-            </a:r>
-            <a:r>
-              <a:rPr lang="ko-KR" altLang="en-US" sz="1600" dirty="0">
-                <a:solidFill>
-                  <a:srgbClr val="666666"/>
-                </a:solidFill>
-              </a:rPr>
-              <a:t>를 매개로 소통하고자 다양한 </a:t>
-            </a:r>
-            <a:r>
-              <a:rPr lang="en-US" altLang="ko-KR" sz="1600" dirty="0">
-                <a:solidFill>
-                  <a:srgbClr val="666666"/>
-                </a:solidFill>
-              </a:rPr>
-              <a:t>SNS </a:t>
-            </a:r>
-            <a:r>
-              <a:rPr lang="ko-KR" altLang="en-US" sz="1600" dirty="0">
-                <a:solidFill>
-                  <a:srgbClr val="666666"/>
-                </a:solidFill>
-              </a:rPr>
-              <a:t>활동을 하고 있는데요</a:t>
-            </a:r>
-            <a:r>
-              <a:rPr lang="en-US" altLang="ko-KR" sz="1600" dirty="0">
-                <a:solidFill>
-                  <a:srgbClr val="666666"/>
-                </a:solidFill>
-              </a:rPr>
-              <a:t>.</a:t>
-            </a:r>
-            <a:br>
-              <a:rPr lang="ko-KR" altLang="en-US" sz="1600" dirty="0">
-                <a:solidFill>
-                  <a:prstClr val="black"/>
-                </a:solidFill>
-              </a:rPr>
-            </a:br>
-            <a:br>
-              <a:rPr lang="ko-KR" altLang="en-US" sz="1600" dirty="0">
-                <a:solidFill>
-                  <a:prstClr val="black"/>
-                </a:solidFill>
-              </a:rPr>
-            </a:br>
-            <a:r>
-              <a:rPr lang="ko-KR" altLang="en-US" sz="1600" b="1" dirty="0">
-                <a:solidFill>
-                  <a:srgbClr val="666666"/>
-                </a:solidFill>
-              </a:rPr>
-              <a:t>요즘은 </a:t>
-            </a:r>
-            <a:r>
-              <a:rPr lang="ko-KR" altLang="en-US" sz="1600" b="1" dirty="0" err="1">
-                <a:solidFill>
-                  <a:srgbClr val="666666"/>
-                </a:solidFill>
-              </a:rPr>
-              <a:t>포털이</a:t>
-            </a:r>
-            <a:r>
-              <a:rPr lang="ko-KR" altLang="en-US" sz="1600" b="1" dirty="0">
-                <a:solidFill>
-                  <a:srgbClr val="666666"/>
-                </a:solidFill>
-              </a:rPr>
-              <a:t> 과거의 </a:t>
-            </a:r>
-            <a:r>
-              <a:rPr lang="ko-KR" altLang="en-US" sz="1600" b="1" dirty="0" err="1">
-                <a:solidFill>
-                  <a:srgbClr val="666666"/>
-                </a:solidFill>
-              </a:rPr>
-              <a:t>블로그</a:t>
-            </a:r>
-            <a:r>
-              <a:rPr lang="ko-KR" altLang="en-US" sz="1600" b="1" dirty="0">
-                <a:solidFill>
-                  <a:srgbClr val="666666"/>
-                </a:solidFill>
-              </a:rPr>
-              <a:t> 이웃이라는 시스템 보다는</a:t>
-            </a:r>
-            <a:br>
-              <a:rPr lang="ko-KR" altLang="en-US" sz="1600" dirty="0">
-                <a:solidFill>
-                  <a:prstClr val="black"/>
-                </a:solidFill>
-              </a:rPr>
-            </a:br>
-            <a:br>
-              <a:rPr lang="ko-KR" altLang="en-US" sz="1600" dirty="0">
-                <a:solidFill>
-                  <a:prstClr val="black"/>
-                </a:solidFill>
-              </a:rPr>
-            </a:br>
-            <a:r>
-              <a:rPr lang="en-US" altLang="ko-KR" sz="1600" b="1" dirty="0">
-                <a:solidFill>
-                  <a:srgbClr val="3366FF"/>
-                </a:solidFill>
-              </a:rPr>
-              <a:t>[</a:t>
-            </a:r>
-            <a:r>
-              <a:rPr lang="ko-KR" altLang="en-US" sz="1600" b="1" dirty="0" err="1">
-                <a:solidFill>
-                  <a:srgbClr val="3366FF"/>
-                </a:solidFill>
-              </a:rPr>
-              <a:t>네이버</a:t>
-            </a:r>
-            <a:r>
-              <a:rPr lang="ko-KR" altLang="en-US" sz="1600" b="1" dirty="0">
-                <a:solidFill>
-                  <a:srgbClr val="3366FF"/>
-                </a:solidFill>
-              </a:rPr>
-              <a:t> </a:t>
-            </a:r>
-            <a:r>
-              <a:rPr lang="ko-KR" altLang="en-US" sz="1600" b="1" dirty="0" err="1">
-                <a:solidFill>
-                  <a:srgbClr val="3366FF"/>
-                </a:solidFill>
-              </a:rPr>
-              <a:t>인플루언서</a:t>
-            </a:r>
-            <a:r>
-              <a:rPr lang="ko-KR" altLang="en-US" sz="1600" b="1" dirty="0">
-                <a:solidFill>
-                  <a:srgbClr val="3366FF"/>
-                </a:solidFill>
-              </a:rPr>
-              <a:t> 서비스</a:t>
-            </a:r>
-            <a:r>
-              <a:rPr lang="en-US" altLang="ko-KR" sz="1600" b="1" dirty="0">
-                <a:solidFill>
-                  <a:srgbClr val="3366FF"/>
-                </a:solidFill>
-              </a:rPr>
-              <a:t>] </a:t>
-            </a:r>
-            <a:r>
-              <a:rPr lang="ko-KR" altLang="en-US" sz="1600" b="1" dirty="0">
-                <a:solidFill>
-                  <a:srgbClr val="3366FF"/>
-                </a:solidFill>
-              </a:rPr>
-              <a:t>를 통해 소통하고 정보를 제공하는 시스템이 더 강화된 것 같습니다</a:t>
-            </a:r>
-            <a:r>
-              <a:rPr lang="en-US" altLang="ko-KR" sz="1600" b="1" dirty="0">
-                <a:solidFill>
-                  <a:srgbClr val="3366FF"/>
-                </a:solidFill>
-              </a:rPr>
-              <a:t>.</a:t>
-            </a:r>
-            <a:br>
-              <a:rPr lang="ko-KR" altLang="en-US" sz="1600" dirty="0">
-                <a:solidFill>
-                  <a:prstClr val="black"/>
-                </a:solidFill>
-              </a:rPr>
-            </a:br>
-            <a:br>
-              <a:rPr lang="ko-KR" altLang="en-US" sz="1600" dirty="0">
-                <a:solidFill>
-                  <a:prstClr val="black"/>
-                </a:solidFill>
-              </a:rPr>
-            </a:br>
-            <a:r>
-              <a:rPr lang="ko-KR" altLang="en-US" sz="1600" b="1" dirty="0" err="1">
-                <a:solidFill>
-                  <a:srgbClr val="666666"/>
-                </a:solidFill>
-              </a:rPr>
-              <a:t>모바일</a:t>
-            </a:r>
-            <a:r>
-              <a:rPr lang="ko-KR" altLang="en-US" sz="1600" b="1" dirty="0">
-                <a:solidFill>
-                  <a:srgbClr val="666666"/>
-                </a:solidFill>
-              </a:rPr>
-              <a:t> 환경이 더 강조되는 상황 때문이기도 하겠지요</a:t>
-            </a:r>
-            <a:r>
-              <a:rPr lang="en-US" altLang="ko-KR" sz="1600" b="1" dirty="0">
-                <a:solidFill>
-                  <a:srgbClr val="666666"/>
-                </a:solidFill>
-              </a:rPr>
-              <a:t>.</a:t>
-            </a:r>
-            <a:br>
-              <a:rPr lang="ko-KR" altLang="en-US" sz="1600" dirty="0">
-                <a:solidFill>
-                  <a:prstClr val="black"/>
-                </a:solidFill>
-              </a:rPr>
-            </a:br>
-            <a:br>
-              <a:rPr lang="ko-KR" altLang="en-US" sz="1600" dirty="0">
-                <a:solidFill>
-                  <a:prstClr val="black"/>
-                </a:solidFill>
-              </a:rPr>
-            </a:br>
-            <a:r>
-              <a:rPr lang="ko-KR" altLang="en-US" sz="1600" dirty="0">
-                <a:solidFill>
-                  <a:srgbClr val="666666"/>
-                </a:solidFill>
-              </a:rPr>
-              <a:t> </a:t>
-            </a:r>
-            <a:br>
-              <a:rPr lang="ko-KR" altLang="en-US" sz="1600" dirty="0">
-                <a:solidFill>
-                  <a:prstClr val="black"/>
-                </a:solidFill>
-              </a:rPr>
-            </a:br>
-            <a:r>
-              <a:rPr lang="ko-KR" altLang="en-US" sz="2000" b="1" dirty="0">
-                <a:solidFill>
-                  <a:srgbClr val="444444"/>
-                </a:solidFill>
-              </a:rPr>
-              <a:t>까칠한 </a:t>
-            </a:r>
-            <a:r>
-              <a:rPr lang="ko-KR" altLang="en-US" sz="2000" b="1" dirty="0" err="1">
-                <a:solidFill>
-                  <a:srgbClr val="444444"/>
-                </a:solidFill>
-              </a:rPr>
-              <a:t>조땡의</a:t>
-            </a:r>
-            <a:r>
-              <a:rPr lang="ko-KR" altLang="en-US" sz="2000" b="1" dirty="0">
-                <a:solidFill>
-                  <a:srgbClr val="444444"/>
-                </a:solidFill>
-              </a:rPr>
-              <a:t> 팬이 되어주세요</a:t>
-            </a:r>
-            <a:r>
-              <a:rPr lang="en-US" altLang="ko-KR" sz="2000" b="1" dirty="0">
-                <a:solidFill>
-                  <a:srgbClr val="444444"/>
-                </a:solidFill>
-              </a:rPr>
-              <a:t>.</a:t>
-            </a:r>
-            <a:endParaRPr lang="ko-KR" altLang="en-US" sz="2000" dirty="0">
-              <a:solidFill>
-                <a:srgbClr val="444444"/>
-              </a:solidFill>
-            </a:endParaRPr>
-          </a:p>
-          <a:p>
-            <a:pPr fontAlgn="base">
-              <a:lnSpc>
-                <a:spcPct val="150000"/>
-              </a:lnSpc>
-            </a:pPr>
-            <a:br>
-              <a:rPr lang="ko-KR" altLang="en-US" sz="1600" dirty="0">
-                <a:solidFill>
-                  <a:prstClr val="black"/>
-                </a:solidFill>
-              </a:rPr>
-            </a:br>
-            <a:r>
-              <a:rPr lang="ko-KR" altLang="en-US" sz="1600" dirty="0">
-                <a:solidFill>
-                  <a:srgbClr val="666666"/>
-                </a:solidFill>
-              </a:rPr>
-              <a:t>조금 더 쉽고 빠르게 새로운 </a:t>
-            </a:r>
-            <a:r>
-              <a:rPr lang="en-US" altLang="ko-KR" sz="1600" dirty="0" err="1">
-                <a:solidFill>
-                  <a:srgbClr val="666666"/>
-                </a:solidFill>
-              </a:rPr>
-              <a:t>ppt</a:t>
-            </a:r>
-            <a:r>
-              <a:rPr lang="en-US" altLang="ko-KR" sz="1600" dirty="0">
-                <a:solidFill>
-                  <a:srgbClr val="666666"/>
-                </a:solidFill>
-              </a:rPr>
-              <a:t> </a:t>
-            </a:r>
-            <a:r>
-              <a:rPr lang="ko-KR" altLang="en-US" sz="1600" dirty="0">
-                <a:solidFill>
-                  <a:srgbClr val="666666"/>
-                </a:solidFill>
-              </a:rPr>
-              <a:t>디자인 자료</a:t>
-            </a:r>
-            <a:r>
-              <a:rPr lang="en-US" altLang="ko-KR" sz="1600" dirty="0">
-                <a:solidFill>
-                  <a:srgbClr val="666666"/>
-                </a:solidFill>
-              </a:rPr>
-              <a:t>, </a:t>
-            </a:r>
-            <a:r>
-              <a:rPr lang="ko-KR" altLang="en-US" sz="1600" dirty="0">
-                <a:solidFill>
-                  <a:srgbClr val="666666"/>
-                </a:solidFill>
-              </a:rPr>
-              <a:t>팁 들을 만나볼 수 있고 </a:t>
-            </a:r>
-            <a:endParaRPr lang="en-US" altLang="ko-KR" sz="1600" dirty="0">
-              <a:solidFill>
-                <a:srgbClr val="666666"/>
-              </a:solidFill>
-            </a:endParaRPr>
-          </a:p>
-          <a:p>
-            <a:pPr fontAlgn="base">
-              <a:lnSpc>
-                <a:spcPct val="150000"/>
-              </a:lnSpc>
-            </a:pPr>
-            <a:r>
-              <a:rPr lang="ko-KR" altLang="en-US" sz="1600" dirty="0">
-                <a:solidFill>
-                  <a:srgbClr val="666666"/>
-                </a:solidFill>
-              </a:rPr>
-              <a:t>더 많은 분들과 </a:t>
-            </a:r>
-            <a:r>
-              <a:rPr lang="en-US" altLang="ko-KR" sz="1600" dirty="0" err="1">
-                <a:solidFill>
-                  <a:srgbClr val="666666"/>
-                </a:solidFill>
-              </a:rPr>
-              <a:t>ppt</a:t>
-            </a:r>
-            <a:r>
-              <a:rPr lang="en-US" altLang="ko-KR" sz="1600" dirty="0">
-                <a:solidFill>
-                  <a:srgbClr val="666666"/>
-                </a:solidFill>
-              </a:rPr>
-              <a:t> </a:t>
-            </a:r>
-            <a:r>
-              <a:rPr lang="ko-KR" altLang="en-US" sz="1600" dirty="0">
-                <a:solidFill>
-                  <a:srgbClr val="666666"/>
-                </a:solidFill>
-              </a:rPr>
-              <a:t>이야기로 소통할 수 있게 도와주시면 제겐 큰 힘</a:t>
-            </a:r>
-            <a:r>
-              <a:rPr lang="en-US" altLang="ko-KR" sz="1600" dirty="0">
-                <a:solidFill>
-                  <a:srgbClr val="666666"/>
-                </a:solidFill>
-              </a:rPr>
-              <a:t>! </a:t>
-            </a:r>
-            <a:r>
-              <a:rPr lang="ko-KR" altLang="en-US" sz="1600" dirty="0">
-                <a:solidFill>
-                  <a:srgbClr val="666666"/>
-                </a:solidFill>
-              </a:rPr>
-              <a:t>그리고 동기부여가 됩니다</a:t>
-            </a:r>
-            <a:r>
-              <a:rPr lang="en-US" altLang="ko-KR" sz="1600" dirty="0">
-                <a:solidFill>
-                  <a:srgbClr val="666666"/>
-                </a:solidFill>
-              </a:rPr>
-              <a:t>.</a:t>
-            </a:r>
-            <a:br>
-              <a:rPr lang="ko-KR" altLang="en-US" sz="1600" dirty="0">
-                <a:solidFill>
-                  <a:prstClr val="black"/>
-                </a:solidFill>
-              </a:rPr>
-            </a:br>
-            <a:br>
-              <a:rPr lang="ko-KR" altLang="en-US" sz="1600" dirty="0">
-                <a:solidFill>
-                  <a:prstClr val="black"/>
-                </a:solidFill>
-              </a:rPr>
-            </a:br>
-            <a:r>
-              <a:rPr lang="en-US" altLang="ko-KR" sz="1600" dirty="0">
-                <a:solidFill>
-                  <a:srgbClr val="FF6600"/>
-                </a:solidFill>
-              </a:rPr>
-              <a:t>[</a:t>
-            </a:r>
-            <a:r>
-              <a:rPr lang="ko-KR" altLang="en-US" sz="1600" dirty="0">
-                <a:solidFill>
-                  <a:srgbClr val="FF6600"/>
-                </a:solidFill>
-              </a:rPr>
-              <a:t>까칠한 </a:t>
-            </a:r>
-            <a:r>
-              <a:rPr lang="ko-KR" altLang="en-US" sz="1600" dirty="0" err="1">
-                <a:solidFill>
-                  <a:srgbClr val="FF6600"/>
-                </a:solidFill>
-              </a:rPr>
-              <a:t>조땡의</a:t>
-            </a:r>
-            <a:r>
-              <a:rPr lang="ko-KR" altLang="en-US" sz="1600" dirty="0">
-                <a:solidFill>
-                  <a:srgbClr val="FF6600"/>
-                </a:solidFill>
-              </a:rPr>
-              <a:t> </a:t>
-            </a:r>
-            <a:r>
-              <a:rPr lang="ko-KR" altLang="en-US" sz="1600" dirty="0" err="1">
-                <a:solidFill>
-                  <a:srgbClr val="FF6600"/>
-                </a:solidFill>
-              </a:rPr>
-              <a:t>네이버</a:t>
-            </a:r>
-            <a:r>
-              <a:rPr lang="ko-KR" altLang="en-US" sz="1600" dirty="0">
-                <a:solidFill>
-                  <a:srgbClr val="FF6600"/>
-                </a:solidFill>
-              </a:rPr>
-              <a:t> </a:t>
-            </a:r>
-            <a:r>
-              <a:rPr lang="ko-KR" altLang="en-US" sz="1600" dirty="0" err="1">
-                <a:solidFill>
-                  <a:srgbClr val="FF6600"/>
-                </a:solidFill>
-              </a:rPr>
-              <a:t>인플루언서</a:t>
-            </a:r>
-            <a:r>
-              <a:rPr lang="en-US" altLang="ko-KR" sz="1600" dirty="0">
-                <a:solidFill>
-                  <a:srgbClr val="FF6600"/>
-                </a:solidFill>
-              </a:rPr>
-              <a:t>] </a:t>
-            </a:r>
-            <a:r>
-              <a:rPr lang="ko-KR" altLang="en-US" sz="1600" dirty="0">
-                <a:solidFill>
-                  <a:srgbClr val="FF6600"/>
-                </a:solidFill>
-              </a:rPr>
-              <a:t>홈</a:t>
-            </a:r>
-            <a:r>
-              <a:rPr lang="en-US" altLang="ko-KR" sz="1600" dirty="0">
-                <a:solidFill>
-                  <a:srgbClr val="FF6600"/>
-                </a:solidFill>
-              </a:rPr>
-              <a:t> </a:t>
-            </a:r>
-            <a:r>
-              <a:rPr lang="ko-KR" altLang="en-US" sz="1600" dirty="0">
-                <a:solidFill>
-                  <a:srgbClr val="FF6600"/>
-                </a:solidFill>
-              </a:rPr>
-              <a:t>주소입니다</a:t>
-            </a:r>
-            <a:r>
-              <a:rPr lang="en-US" altLang="ko-KR" sz="1600" dirty="0">
-                <a:solidFill>
-                  <a:srgbClr val="FF6600"/>
-                </a:solidFill>
-              </a:rPr>
-              <a:t>. (</a:t>
-            </a:r>
-            <a:r>
-              <a:rPr lang="ko-KR" altLang="en-US" sz="1600" dirty="0">
-                <a:solidFill>
-                  <a:srgbClr val="FF6600"/>
-                </a:solidFill>
-              </a:rPr>
-              <a:t>이상한 주소 아니에요 </a:t>
-            </a:r>
-            <a:r>
-              <a:rPr lang="en-US" altLang="ko-KR" sz="1600" dirty="0">
-                <a:solidFill>
-                  <a:srgbClr val="FF6600"/>
-                </a:solidFill>
-              </a:rPr>
-              <a:t>^^) </a:t>
-            </a:r>
-            <a:r>
-              <a:rPr lang="ko-KR" altLang="en-US" sz="1600" dirty="0" err="1">
-                <a:solidFill>
-                  <a:srgbClr val="FF6600"/>
-                </a:solidFill>
-              </a:rPr>
-              <a:t>네이버에서</a:t>
-            </a:r>
-            <a:r>
-              <a:rPr lang="ko-KR" altLang="en-US" sz="1600" dirty="0">
-                <a:solidFill>
-                  <a:srgbClr val="FF6600"/>
-                </a:solidFill>
-              </a:rPr>
-              <a:t> 까칠한 </a:t>
-            </a:r>
-            <a:r>
-              <a:rPr lang="ko-KR" altLang="en-US" sz="1600" dirty="0" err="1">
-                <a:solidFill>
-                  <a:srgbClr val="FF6600"/>
-                </a:solidFill>
-              </a:rPr>
-              <a:t>조땡</a:t>
-            </a:r>
-            <a:r>
-              <a:rPr lang="ko-KR" altLang="en-US" sz="1600" dirty="0">
-                <a:solidFill>
-                  <a:srgbClr val="FF6600"/>
-                </a:solidFill>
-              </a:rPr>
-              <a:t> 검색해 주셔도 됩니다</a:t>
-            </a:r>
-            <a:r>
-              <a:rPr lang="en-US" altLang="ko-KR" sz="1600" dirty="0">
-                <a:solidFill>
-                  <a:srgbClr val="FF6600"/>
-                </a:solidFill>
-              </a:rPr>
-              <a:t>.</a:t>
-            </a:r>
-            <a:endParaRPr lang="ko-KR" altLang="en-US" sz="1600" dirty="0">
-              <a:solidFill>
-                <a:srgbClr val="444444"/>
-              </a:solidFill>
-            </a:endParaRPr>
-          </a:p>
-          <a:p>
-            <a:pPr fontAlgn="base"/>
-            <a:br>
-              <a:rPr lang="ko-KR" altLang="en-US" sz="1600" dirty="0">
-                <a:solidFill>
-                  <a:prstClr val="black"/>
-                </a:solidFill>
-              </a:rPr>
-            </a:br>
-            <a:r>
-              <a:rPr lang="en-US" altLang="ko-KR" sz="1600" dirty="0">
-                <a:solidFill>
-                  <a:srgbClr val="444444"/>
-                </a:solidFill>
-              </a:rPr>
-              <a:t>[</a:t>
-            </a:r>
-            <a:r>
-              <a:rPr lang="ko-KR" altLang="en-US" sz="1600" dirty="0" err="1">
-                <a:solidFill>
-                  <a:srgbClr val="444444"/>
-                </a:solidFill>
-              </a:rPr>
-              <a:t>팬하기</a:t>
-            </a:r>
-            <a:r>
-              <a:rPr lang="en-US" altLang="ko-KR" sz="1600" dirty="0">
-                <a:solidFill>
-                  <a:srgbClr val="444444"/>
-                </a:solidFill>
-              </a:rPr>
-              <a:t>] </a:t>
-            </a:r>
-            <a:r>
-              <a:rPr lang="ko-KR" altLang="en-US" sz="1600" dirty="0">
-                <a:solidFill>
-                  <a:srgbClr val="444444"/>
-                </a:solidFill>
-              </a:rPr>
-              <a:t>를 눌러주시면 감사하겠습니다 </a:t>
-            </a:r>
-            <a:r>
-              <a:rPr lang="en-US" altLang="ko-KR" sz="1600" dirty="0">
-                <a:solidFill>
-                  <a:srgbClr val="444444"/>
-                </a:solidFill>
-              </a:rPr>
-              <a:t>^^</a:t>
-            </a:r>
-          </a:p>
-          <a:p>
-            <a:pPr fontAlgn="base"/>
-            <a:endParaRPr lang="en-US" altLang="ko-KR" sz="1600" dirty="0">
-              <a:solidFill>
-                <a:srgbClr val="444444"/>
-              </a:solidFill>
-            </a:endParaRPr>
-          </a:p>
-          <a:p>
-            <a:pPr fontAlgn="base"/>
-            <a:r>
-              <a:rPr lang="en-US" altLang="ko-KR" sz="1600" dirty="0">
-                <a:solidFill>
-                  <a:srgbClr val="444444"/>
-                </a:solidFill>
-                <a:hlinkClick r:id="rId2"/>
-              </a:rPr>
-              <a:t>https://in.naver.com/seok830621</a:t>
-            </a:r>
-            <a:endParaRPr lang="en-US" altLang="ko-KR" sz="1600" dirty="0">
-              <a:solidFill>
-                <a:srgbClr val="444444"/>
-              </a:solidFill>
-            </a:endParaRPr>
-          </a:p>
-        </p:txBody>
-      </p:sp>
-    </p:spTree>
-    <p:extLst>
-      <p:ext uri="{BB962C8B-B14F-4D97-AF65-F5344CB8AC3E}">
-        <p14:creationId xmlns:p14="http://schemas.microsoft.com/office/powerpoint/2010/main" val="3895487226"/>
       </p:ext>
     </p:extLst>
   </p:cSld>
